--- a/Rx.pptx
+++ b/Rx.pptx
@@ -7,8 +7,12 @@
   <p:sldIdLst>
     <p:sldId id="256" r:id="rId2"/>
     <p:sldId id="257" r:id="rId3"/>
-    <p:sldId id="258" r:id="rId4"/>
-    <p:sldId id="259" r:id="rId5"/>
+    <p:sldId id="260" r:id="rId4"/>
+    <p:sldId id="264" r:id="rId5"/>
+    <p:sldId id="265" r:id="rId6"/>
+    <p:sldId id="263" r:id="rId7"/>
+    <p:sldId id="261" r:id="rId8"/>
+    <p:sldId id="262" r:id="rId9"/>
   </p:sldIdLst>
   <p:sldSz cx="9144000" cy="6858000" type="screen4x3"/>
   <p:notesSz cx="6858000" cy="9144000"/>
@@ -3085,6 +3089,13 @@
   <p:clrMapOvr>
     <a:masterClrMapping/>
   </p:clrMapOvr>
+  <p:timing>
+    <p:tnLst>
+      <p:par>
+        <p:cTn id="1" dur="indefinite" restart="never" nodeType="tmRoot"/>
+      </p:par>
+    </p:tnLst>
+  </p:timing>
 </p:sld>
 </file>
 
@@ -3122,7 +3133,7 @@
           <a:p>
             <a:r>
               <a:rPr lang="ka-GE" dirty="0" smtClean="0"/>
-              <a:t>გამოყენება</a:t>
+              <a:t>რად გვინდა?</a:t>
             </a:r>
             <a:endParaRPr lang="en-US" dirty="0"/>
           </a:p>
@@ -3156,6 +3167,13 @@
   <p:clrMapOvr>
     <a:masterClrMapping/>
   </p:clrMapOvr>
+  <p:timing>
+    <p:tnLst>
+      <p:par>
+        <p:cTn id="1" dur="indefinite" restart="never" nodeType="tmRoot"/>
+      </p:par>
+    </p:tnLst>
+  </p:timing>
 </p:sld>
 </file>
 
@@ -3191,7 +3209,11 @@
           <a:bodyPr/>
           <a:lstStyle/>
           <a:p>
-            <a:endParaRPr lang="en-US"/>
+            <a:r>
+              <a:rPr lang="ka-GE" dirty="0" smtClean="0"/>
+              <a:t>რად გვინდა?</a:t>
+            </a:r>
+            <a:endParaRPr lang="en-US" dirty="0"/>
           </a:p>
         </p:txBody>
       </p:sp>
@@ -3210,13 +3232,17 @@
           <a:bodyPr/>
           <a:lstStyle/>
           <a:p>
-            <a:endParaRPr lang="en-US"/>
+            <a:r>
+              <a:rPr lang="ka-GE" dirty="0" smtClean="0"/>
+              <a:t>მოსახერხებელია ისეთი ლოგიკის მოდელირებისთვის რომელიც "იმართება" გარეშე ფაქტორებით</a:t>
+            </a:r>
+            <a:endParaRPr lang="en-US" dirty="0"/>
           </a:p>
         </p:txBody>
       </p:sp>
       <p:pic>
         <p:nvPicPr>
-          <p:cNvPr id="1026" name="Picture 2" descr="baby crying-áá¡ á¡á£á áááá¡ á¨ááááá"/>
+          <p:cNvPr id="4" name="Picture 2" descr="baby crying-áá¡ á¡á£á áááá¡ á¨ááááá"/>
           <p:cNvPicPr>
             <a:picLocks noChangeAspect="1" noChangeArrowheads="1"/>
           </p:cNvPicPr>
@@ -3231,8 +3257,8 @@
         </p:blipFill>
         <p:spPr bwMode="auto">
           <a:xfrm>
-            <a:off x="457200" y="1481137"/>
-            <a:ext cx="8229600" cy="4629151"/>
+            <a:off x="2133600" y="3657600"/>
+            <a:ext cx="4360333" cy="2452688"/>
           </a:xfrm>
           <a:prstGeom prst="rect">
             <a:avLst/>
@@ -3245,6 +3271,13 @@
   <p:clrMapOvr>
     <a:masterClrMapping/>
   </p:clrMapOvr>
+  <p:timing>
+    <p:tnLst>
+      <p:par>
+        <p:cTn id="1" dur="indefinite" restart="never" nodeType="tmRoot"/>
+      </p:par>
+    </p:tnLst>
+  </p:timing>
 </p:sld>
 </file>
 
@@ -3280,7 +3313,11 @@
           <a:bodyPr/>
           <a:lstStyle/>
           <a:p>
-            <a:endParaRPr lang="en-US"/>
+            <a:r>
+              <a:rPr lang="ka-GE" dirty="0" smtClean="0"/>
+              <a:t>მოძღვრება</a:t>
+            </a:r>
+            <a:endParaRPr lang="en-US" dirty="0"/>
           </a:p>
         </p:txBody>
       </p:sp>
@@ -3299,7 +3336,380 @@
           <a:bodyPr/>
           <a:lstStyle/>
           <a:p>
-            <a:endParaRPr lang="en-US"/>
+            <a:r>
+              <a:rPr lang="en-US" b="1" dirty="0" smtClean="0"/>
+              <a:t>Reactive programming is programming with asynchronous data streams.</a:t>
+            </a:r>
+          </a:p>
+          <a:p>
+            <a:endParaRPr lang="en-US" dirty="0"/>
+          </a:p>
+        </p:txBody>
+      </p:sp>
+    </p:spTree>
+  </p:cSld>
+  <p:clrMapOvr>
+    <a:masterClrMapping/>
+  </p:clrMapOvr>
+  <p:timing>
+    <p:tnLst>
+      <p:par>
+        <p:cTn id="1" dur="indefinite" restart="never" nodeType="tmRoot"/>
+      </p:par>
+    </p:tnLst>
+  </p:timing>
+</p:sld>
+</file>
+
+<file path=ppt/slides/slide5.xml><?xml version="1.0" encoding="utf-8"?>
+<p:sld xmlns:a="http://schemas.openxmlformats.org/drawingml/2006/main" xmlns:r="http://schemas.openxmlformats.org/officeDocument/2006/relationships" xmlns:p="http://schemas.openxmlformats.org/presentationml/2006/main">
+  <p:cSld>
+    <p:spTree>
+      <p:nvGrpSpPr>
+        <p:cNvPr id="1" name=""/>
+        <p:cNvGrpSpPr/>
+        <p:nvPr/>
+      </p:nvGrpSpPr>
+      <p:grpSpPr>
+        <a:xfrm>
+          <a:off x="0" y="0"/>
+          <a:ext cx="0" cy="0"/>
+          <a:chOff x="0" y="0"/>
+          <a:chExt cx="0" cy="0"/>
+        </a:xfrm>
+      </p:grpSpPr>
+      <p:sp>
+        <p:nvSpPr>
+          <p:cNvPr id="2" name="Title 1"/>
+          <p:cNvSpPr>
+            <a:spLocks noGrp="1"/>
+          </p:cNvSpPr>
+          <p:nvPr>
+            <p:ph type="title"/>
+          </p:nvPr>
+        </p:nvSpPr>
+        <p:spPr/>
+        <p:txBody>
+          <a:bodyPr/>
+          <a:lstStyle/>
+          <a:p>
+            <a:endParaRPr lang="en-US"/>
+          </a:p>
+        </p:txBody>
+      </p:sp>
+      <p:sp>
+        <p:nvSpPr>
+          <p:cNvPr id="3" name="Content Placeholder 2"/>
+          <p:cNvSpPr>
+            <a:spLocks noGrp="1"/>
+          </p:cNvSpPr>
+          <p:nvPr>
+            <p:ph idx="1"/>
+          </p:nvPr>
+        </p:nvSpPr>
+        <p:spPr/>
+        <p:txBody>
+          <a:bodyPr/>
+          <a:lstStyle/>
+          <a:p>
+            <a:endParaRPr lang="en-US"/>
+          </a:p>
+        </p:txBody>
+      </p:sp>
+      <p:pic>
+        <p:nvPicPr>
+          <p:cNvPr id="7170" name="Picture 2" descr="https://camo.githubusercontent.com/e581baffb3db3e4f749350326af32de8d5ba4363/687474703a2f2f692e696d6775722e636f6d2f4149696d5138432e6a7067"/>
+          <p:cNvPicPr>
+            <a:picLocks noChangeAspect="1" noChangeArrowheads="1"/>
+          </p:cNvPicPr>
+          <p:nvPr/>
+        </p:nvPicPr>
+        <p:blipFill>
+          <a:blip r:embed="rId2" cstate="print"/>
+          <a:srcRect/>
+          <a:stretch>
+            <a:fillRect/>
+          </a:stretch>
+        </p:blipFill>
+        <p:spPr bwMode="auto">
+          <a:xfrm>
+            <a:off x="2438400" y="1219200"/>
+            <a:ext cx="4019550" cy="3714751"/>
+          </a:xfrm>
+          <a:prstGeom prst="rect">
+            <a:avLst/>
+          </a:prstGeom>
+          <a:noFill/>
+        </p:spPr>
+      </p:pic>
+    </p:spTree>
+  </p:cSld>
+  <p:clrMapOvr>
+    <a:masterClrMapping/>
+  </p:clrMapOvr>
+  <p:timing>
+    <p:tnLst>
+      <p:par>
+        <p:cTn id="1" dur="indefinite" restart="never" nodeType="tmRoot"/>
+      </p:par>
+    </p:tnLst>
+  </p:timing>
+</p:sld>
+</file>
+
+<file path=ppt/slides/slide6.xml><?xml version="1.0" encoding="utf-8"?>
+<p:sld xmlns:a="http://schemas.openxmlformats.org/drawingml/2006/main" xmlns:r="http://schemas.openxmlformats.org/officeDocument/2006/relationships" xmlns:p="http://schemas.openxmlformats.org/presentationml/2006/main">
+  <p:cSld>
+    <p:spTree>
+      <p:nvGrpSpPr>
+        <p:cNvPr id="1" name=""/>
+        <p:cNvGrpSpPr/>
+        <p:nvPr/>
+      </p:nvGrpSpPr>
+      <p:grpSpPr>
+        <a:xfrm>
+          <a:off x="0" y="0"/>
+          <a:ext cx="0" cy="0"/>
+          <a:chOff x="0" y="0"/>
+          <a:chExt cx="0" cy="0"/>
+        </a:xfrm>
+      </p:grpSpPr>
+      <p:sp>
+        <p:nvSpPr>
+          <p:cNvPr id="2" name="Title 1"/>
+          <p:cNvSpPr>
+            <a:spLocks noGrp="1"/>
+          </p:cNvSpPr>
+          <p:nvPr>
+            <p:ph type="title"/>
+          </p:nvPr>
+        </p:nvSpPr>
+        <p:spPr/>
+        <p:txBody>
+          <a:bodyPr>
+            <a:normAutofit fontScale="90000"/>
+          </a:bodyPr>
+          <a:lstStyle/>
+          <a:p>
+            <a:r>
+              <a:rPr lang="ka-GE" smtClean="0"/>
+              <a:t>რა კავშირი აქვს ფუნქციონალურ პროგრამირებასთან?</a:t>
+            </a:r>
+            <a:endParaRPr lang="en-US" dirty="0"/>
+          </a:p>
+        </p:txBody>
+      </p:sp>
+      <p:sp>
+        <p:nvSpPr>
+          <p:cNvPr id="3" name="Content Placeholder 2"/>
+          <p:cNvSpPr>
+            <a:spLocks noGrp="1"/>
+          </p:cNvSpPr>
+          <p:nvPr>
+            <p:ph idx="1"/>
+          </p:nvPr>
+        </p:nvSpPr>
+        <p:spPr/>
+        <p:txBody>
+          <a:bodyPr/>
+          <a:lstStyle/>
+          <a:p>
+            <a:endParaRPr lang="en-US" dirty="0"/>
+          </a:p>
+        </p:txBody>
+      </p:sp>
+    </p:spTree>
+  </p:cSld>
+  <p:clrMapOvr>
+    <a:masterClrMapping/>
+  </p:clrMapOvr>
+  <p:timing>
+    <p:tnLst>
+      <p:par>
+        <p:cTn id="1" dur="indefinite" restart="never" nodeType="tmRoot"/>
+      </p:par>
+    </p:tnLst>
+  </p:timing>
+</p:sld>
+</file>
+
+<file path=ppt/slides/slide7.xml><?xml version="1.0" encoding="utf-8"?>
+<p:sld xmlns:a="http://schemas.openxmlformats.org/drawingml/2006/main" xmlns:r="http://schemas.openxmlformats.org/officeDocument/2006/relationships" xmlns:p="http://schemas.openxmlformats.org/presentationml/2006/main">
+  <p:cSld>
+    <p:spTree>
+      <p:nvGrpSpPr>
+        <p:cNvPr id="1" name=""/>
+        <p:cNvGrpSpPr/>
+        <p:nvPr/>
+      </p:nvGrpSpPr>
+      <p:grpSpPr>
+        <a:xfrm>
+          <a:off x="0" y="0"/>
+          <a:ext cx="0" cy="0"/>
+          <a:chOff x="0" y="0"/>
+          <a:chExt cx="0" cy="0"/>
+        </a:xfrm>
+      </p:grpSpPr>
+      <p:sp>
+        <p:nvSpPr>
+          <p:cNvPr id="2" name="Title 1"/>
+          <p:cNvSpPr>
+            <a:spLocks noGrp="1"/>
+          </p:cNvSpPr>
+          <p:nvPr>
+            <p:ph type="title"/>
+          </p:nvPr>
+        </p:nvSpPr>
+        <p:spPr/>
+        <p:txBody>
+          <a:bodyPr>
+            <a:normAutofit fontScale="90000"/>
+          </a:bodyPr>
+          <a:lstStyle/>
+          <a:p>
+            <a:r>
+              <a:rPr lang="ka-GE" dirty="0" smtClean="0"/>
+              <a:t>რა გვაქვს უკვე და არ გვჭირდება ლაპარაკი</a:t>
+            </a:r>
+            <a:endParaRPr lang="en-US" dirty="0"/>
+          </a:p>
+        </p:txBody>
+      </p:sp>
+      <p:sp>
+        <p:nvSpPr>
+          <p:cNvPr id="3" name="Content Placeholder 2"/>
+          <p:cNvSpPr>
+            <a:spLocks noGrp="1"/>
+          </p:cNvSpPr>
+          <p:nvPr>
+            <p:ph idx="1"/>
+          </p:nvPr>
+        </p:nvSpPr>
+        <p:spPr/>
+        <p:txBody>
+          <a:bodyPr/>
+          <a:lstStyle/>
+          <a:p>
+            <a:r>
+              <a:rPr lang="ka-GE" dirty="0" smtClean="0"/>
+              <a:t>საკაიფო ვიზუალიზაციები </a:t>
+            </a:r>
+            <a:r>
+              <a:rPr lang="en-US" dirty="0" smtClean="0">
+                <a:hlinkClick r:id="rId2"/>
+              </a:rPr>
+              <a:t>http://rxmarbles.com</a:t>
+            </a:r>
+            <a:endParaRPr lang="ka-GE" dirty="0" smtClean="0"/>
+          </a:p>
+          <a:p>
+            <a:r>
+              <a:rPr lang="ka-GE" dirty="0" smtClean="0"/>
+              <a:t>საკაიფო ინტერაქტიული ვიზუალიზაციები </a:t>
+            </a:r>
+            <a:br>
+              <a:rPr lang="ka-GE" dirty="0" smtClean="0"/>
+            </a:br>
+            <a:r>
+              <a:rPr lang="en-US" dirty="0" smtClean="0">
+                <a:hlinkClick r:id="rId3"/>
+              </a:rPr>
+              <a:t>https://rxviz.com</a:t>
+            </a:r>
+            <a:endParaRPr lang="ka-GE" dirty="0" smtClean="0"/>
+          </a:p>
+          <a:p>
+            <a:r>
+              <a:rPr lang="ka-GE" dirty="0" smtClean="0"/>
+              <a:t>ვრცელი და მოსაწყენი დოკუმენტაციები </a:t>
+            </a:r>
+            <a:r>
+              <a:rPr lang="en-US" dirty="0" smtClean="0"/>
+              <a:t>http://rxwiki.wikidot.com/ </a:t>
+            </a:r>
+            <a:r>
+              <a:rPr lang="ka-GE" dirty="0" smtClean="0"/>
+              <a:t>და </a:t>
+            </a:r>
+            <a:r>
+              <a:rPr lang="en-US" dirty="0" smtClean="0"/>
+              <a:t>http://reactivex.io</a:t>
+            </a:r>
+            <a:endParaRPr lang="en-US" dirty="0"/>
+          </a:p>
+        </p:txBody>
+      </p:sp>
+    </p:spTree>
+  </p:cSld>
+  <p:clrMapOvr>
+    <a:masterClrMapping/>
+  </p:clrMapOvr>
+  <p:timing>
+    <p:tnLst>
+      <p:par>
+        <p:cTn id="1" dur="indefinite" restart="never" nodeType="tmRoot"/>
+      </p:par>
+    </p:tnLst>
+  </p:timing>
+</p:sld>
+</file>
+
+<file path=ppt/slides/slide8.xml><?xml version="1.0" encoding="utf-8"?>
+<p:sld xmlns:a="http://schemas.openxmlformats.org/drawingml/2006/main" xmlns:r="http://schemas.openxmlformats.org/officeDocument/2006/relationships" xmlns:p="http://schemas.openxmlformats.org/presentationml/2006/main">
+  <p:cSld>
+    <p:spTree>
+      <p:nvGrpSpPr>
+        <p:cNvPr id="1" name=""/>
+        <p:cNvGrpSpPr/>
+        <p:nvPr/>
+      </p:nvGrpSpPr>
+      <p:grpSpPr>
+        <a:xfrm>
+          <a:off x="0" y="0"/>
+          <a:ext cx="0" cy="0"/>
+          <a:chOff x="0" y="0"/>
+          <a:chExt cx="0" cy="0"/>
+        </a:xfrm>
+      </p:grpSpPr>
+      <p:sp>
+        <p:nvSpPr>
+          <p:cNvPr id="2" name="Title 1"/>
+          <p:cNvSpPr>
+            <a:spLocks noGrp="1"/>
+          </p:cNvSpPr>
+          <p:nvPr>
+            <p:ph type="title"/>
+          </p:nvPr>
+        </p:nvSpPr>
+        <p:spPr/>
+        <p:txBody>
+          <a:bodyPr/>
+          <a:lstStyle/>
+          <a:p>
+            <a:r>
+              <a:rPr lang="ka-GE" dirty="0" smtClean="0"/>
+              <a:t>ცოტა თეორია</a:t>
+            </a:r>
+            <a:endParaRPr lang="en-US" dirty="0"/>
+          </a:p>
+        </p:txBody>
+      </p:sp>
+      <p:sp>
+        <p:nvSpPr>
+          <p:cNvPr id="3" name="Content Placeholder 2"/>
+          <p:cNvSpPr>
+            <a:spLocks noGrp="1"/>
+          </p:cNvSpPr>
+          <p:nvPr>
+            <p:ph idx="1"/>
+          </p:nvPr>
+        </p:nvSpPr>
+        <p:spPr/>
+        <p:txBody>
+          <a:bodyPr/>
+          <a:lstStyle/>
+          <a:p>
+            <a:endParaRPr lang="en-US" dirty="0"/>
           </a:p>
         </p:txBody>
       </p:sp>

--- a/Rx.pptx
+++ b/Rx.pptx
@@ -6,13 +6,21 @@
   </p:sldMasterIdLst>
   <p:sldIdLst>
     <p:sldId id="256" r:id="rId2"/>
-    <p:sldId id="257" r:id="rId3"/>
-    <p:sldId id="260" r:id="rId4"/>
-    <p:sldId id="264" r:id="rId5"/>
-    <p:sldId id="265" r:id="rId6"/>
-    <p:sldId id="263" r:id="rId7"/>
-    <p:sldId id="261" r:id="rId8"/>
-    <p:sldId id="262" r:id="rId9"/>
+    <p:sldId id="270" r:id="rId3"/>
+    <p:sldId id="271" r:id="rId4"/>
+    <p:sldId id="272" r:id="rId5"/>
+    <p:sldId id="274" r:id="rId6"/>
+    <p:sldId id="273" r:id="rId7"/>
+    <p:sldId id="275" r:id="rId8"/>
+    <p:sldId id="264" r:id="rId9"/>
+    <p:sldId id="265" r:id="rId10"/>
+    <p:sldId id="276" r:id="rId11"/>
+    <p:sldId id="263" r:id="rId12"/>
+    <p:sldId id="268" r:id="rId13"/>
+    <p:sldId id="261" r:id="rId14"/>
+    <p:sldId id="262" r:id="rId15"/>
+    <p:sldId id="266" r:id="rId16"/>
+    <p:sldId id="267" r:id="rId17"/>
   </p:sldIdLst>
   <p:sldSz cx="9144000" cy="6858000" type="screen4x3"/>
   <p:notesSz cx="6858000" cy="9144000"/>
@@ -295,6 +303,7 @@
           <a:p>
             <a:fld id="{96045E3A-2E11-44AD-A4C6-734A14E82785}" type="datetimeFigureOut">
               <a:rPr lang="en-US" smtClean="0"/>
+              <a:pPr/>
               <a:t>4/2/2018</a:t>
             </a:fld>
             <a:endParaRPr lang="en-US"/>
@@ -337,6 +346,7 @@
           <a:p>
             <a:fld id="{252B4B31-69AB-42E3-ADD4-1C60B1BF863C}" type="slidenum">
               <a:rPr lang="en-US" smtClean="0"/>
+              <a:pPr/>
               <a:t>‹#›</a:t>
             </a:fld>
             <a:endParaRPr lang="en-US"/>
@@ -348,6 +358,9 @@
   <p:clrMapOvr>
     <a:masterClrMapping/>
   </p:clrMapOvr>
+  <p:transition>
+    <p:wipe dir="d"/>
+  </p:transition>
 </p:sldLayout>
 </file>
 
@@ -460,6 +473,7 @@
           <a:p>
             <a:fld id="{96045E3A-2E11-44AD-A4C6-734A14E82785}" type="datetimeFigureOut">
               <a:rPr lang="en-US" smtClean="0"/>
+              <a:pPr/>
               <a:t>4/2/2018</a:t>
             </a:fld>
             <a:endParaRPr lang="en-US"/>
@@ -502,6 +516,7 @@
           <a:p>
             <a:fld id="{252B4B31-69AB-42E3-ADD4-1C60B1BF863C}" type="slidenum">
               <a:rPr lang="en-US" smtClean="0"/>
+              <a:pPr/>
               <a:t>‹#›</a:t>
             </a:fld>
             <a:endParaRPr lang="en-US"/>
@@ -513,6 +528,9 @@
   <p:clrMapOvr>
     <a:masterClrMapping/>
   </p:clrMapOvr>
+  <p:transition>
+    <p:wipe dir="d"/>
+  </p:transition>
 </p:sldLayout>
 </file>
 
@@ -635,6 +653,7 @@
           <a:p>
             <a:fld id="{96045E3A-2E11-44AD-A4C6-734A14E82785}" type="datetimeFigureOut">
               <a:rPr lang="en-US" smtClean="0"/>
+              <a:pPr/>
               <a:t>4/2/2018</a:t>
             </a:fld>
             <a:endParaRPr lang="en-US"/>
@@ -677,6 +696,7 @@
           <a:p>
             <a:fld id="{252B4B31-69AB-42E3-ADD4-1C60B1BF863C}" type="slidenum">
               <a:rPr lang="en-US" smtClean="0"/>
+              <a:pPr/>
               <a:t>‹#›</a:t>
             </a:fld>
             <a:endParaRPr lang="en-US"/>
@@ -688,6 +708,9 @@
   <p:clrMapOvr>
     <a:masterClrMapping/>
   </p:clrMapOvr>
+  <p:transition>
+    <p:wipe dir="d"/>
+  </p:transition>
 </p:sldLayout>
 </file>
 
@@ -800,6 +823,7 @@
           <a:p>
             <a:fld id="{96045E3A-2E11-44AD-A4C6-734A14E82785}" type="datetimeFigureOut">
               <a:rPr lang="en-US" smtClean="0"/>
+              <a:pPr/>
               <a:t>4/2/2018</a:t>
             </a:fld>
             <a:endParaRPr lang="en-US"/>
@@ -842,6 +866,7 @@
           <a:p>
             <a:fld id="{252B4B31-69AB-42E3-ADD4-1C60B1BF863C}" type="slidenum">
               <a:rPr lang="en-US" smtClean="0"/>
+              <a:pPr/>
               <a:t>‹#›</a:t>
             </a:fld>
             <a:endParaRPr lang="en-US"/>
@@ -853,6 +878,9 @@
   <p:clrMapOvr>
     <a:masterClrMapping/>
   </p:clrMapOvr>
+  <p:transition>
+    <p:wipe dir="d"/>
+  </p:transition>
 </p:sldLayout>
 </file>
 
@@ -1041,6 +1069,7 @@
           <a:p>
             <a:fld id="{96045E3A-2E11-44AD-A4C6-734A14E82785}" type="datetimeFigureOut">
               <a:rPr lang="en-US" smtClean="0"/>
+              <a:pPr/>
               <a:t>4/2/2018</a:t>
             </a:fld>
             <a:endParaRPr lang="en-US"/>
@@ -1083,6 +1112,7 @@
           <a:p>
             <a:fld id="{252B4B31-69AB-42E3-ADD4-1C60B1BF863C}" type="slidenum">
               <a:rPr lang="en-US" smtClean="0"/>
+              <a:pPr/>
               <a:t>‹#›</a:t>
             </a:fld>
             <a:endParaRPr lang="en-US"/>
@@ -1094,6 +1124,9 @@
   <p:clrMapOvr>
     <a:masterClrMapping/>
   </p:clrMapOvr>
+  <p:transition>
+    <p:wipe dir="d"/>
+  </p:transition>
 </p:sldLayout>
 </file>
 
@@ -1324,6 +1357,7 @@
           <a:p>
             <a:fld id="{96045E3A-2E11-44AD-A4C6-734A14E82785}" type="datetimeFigureOut">
               <a:rPr lang="en-US" smtClean="0"/>
+              <a:pPr/>
               <a:t>4/2/2018</a:t>
             </a:fld>
             <a:endParaRPr lang="en-US"/>
@@ -1366,6 +1400,7 @@
           <a:p>
             <a:fld id="{252B4B31-69AB-42E3-ADD4-1C60B1BF863C}" type="slidenum">
               <a:rPr lang="en-US" smtClean="0"/>
+              <a:pPr/>
               <a:t>‹#›</a:t>
             </a:fld>
             <a:endParaRPr lang="en-US"/>
@@ -1377,6 +1412,9 @@
   <p:clrMapOvr>
     <a:masterClrMapping/>
   </p:clrMapOvr>
+  <p:transition>
+    <p:wipe dir="d"/>
+  </p:transition>
 </p:sldLayout>
 </file>
 
@@ -1741,6 +1779,7 @@
           <a:p>
             <a:fld id="{96045E3A-2E11-44AD-A4C6-734A14E82785}" type="datetimeFigureOut">
               <a:rPr lang="en-US" smtClean="0"/>
+              <a:pPr/>
               <a:t>4/2/2018</a:t>
             </a:fld>
             <a:endParaRPr lang="en-US"/>
@@ -1783,6 +1822,7 @@
           <a:p>
             <a:fld id="{252B4B31-69AB-42E3-ADD4-1C60B1BF863C}" type="slidenum">
               <a:rPr lang="en-US" smtClean="0"/>
+              <a:pPr/>
               <a:t>‹#›</a:t>
             </a:fld>
             <a:endParaRPr lang="en-US"/>
@@ -1794,6 +1834,9 @@
   <p:clrMapOvr>
     <a:masterClrMapping/>
   </p:clrMapOvr>
+  <p:transition>
+    <p:wipe dir="d"/>
+  </p:transition>
 </p:sldLayout>
 </file>
 
@@ -1854,6 +1897,7 @@
           <a:p>
             <a:fld id="{96045E3A-2E11-44AD-A4C6-734A14E82785}" type="datetimeFigureOut">
               <a:rPr lang="en-US" smtClean="0"/>
+              <a:pPr/>
               <a:t>4/2/2018</a:t>
             </a:fld>
             <a:endParaRPr lang="en-US"/>
@@ -1896,6 +1940,7 @@
           <a:p>
             <a:fld id="{252B4B31-69AB-42E3-ADD4-1C60B1BF863C}" type="slidenum">
               <a:rPr lang="en-US" smtClean="0"/>
+              <a:pPr/>
               <a:t>‹#›</a:t>
             </a:fld>
             <a:endParaRPr lang="en-US"/>
@@ -1907,6 +1952,9 @@
   <p:clrMapOvr>
     <a:masterClrMapping/>
   </p:clrMapOvr>
+  <p:transition>
+    <p:wipe dir="d"/>
+  </p:transition>
 </p:sldLayout>
 </file>
 
@@ -1944,6 +1992,7 @@
           <a:p>
             <a:fld id="{96045E3A-2E11-44AD-A4C6-734A14E82785}" type="datetimeFigureOut">
               <a:rPr lang="en-US" smtClean="0"/>
+              <a:pPr/>
               <a:t>4/2/2018</a:t>
             </a:fld>
             <a:endParaRPr lang="en-US"/>
@@ -1986,6 +2035,7 @@
           <a:p>
             <a:fld id="{252B4B31-69AB-42E3-ADD4-1C60B1BF863C}" type="slidenum">
               <a:rPr lang="en-US" smtClean="0"/>
+              <a:pPr/>
               <a:t>‹#›</a:t>
             </a:fld>
             <a:endParaRPr lang="en-US"/>
@@ -1997,6 +2047,9 @@
   <p:clrMapOvr>
     <a:masterClrMapping/>
   </p:clrMapOvr>
+  <p:transition>
+    <p:wipe dir="d"/>
+  </p:transition>
 </p:sldLayout>
 </file>
 
@@ -2216,6 +2269,7 @@
           <a:p>
             <a:fld id="{96045E3A-2E11-44AD-A4C6-734A14E82785}" type="datetimeFigureOut">
               <a:rPr lang="en-US" smtClean="0"/>
+              <a:pPr/>
               <a:t>4/2/2018</a:t>
             </a:fld>
             <a:endParaRPr lang="en-US"/>
@@ -2258,6 +2312,7 @@
           <a:p>
             <a:fld id="{252B4B31-69AB-42E3-ADD4-1C60B1BF863C}" type="slidenum">
               <a:rPr lang="en-US" smtClean="0"/>
+              <a:pPr/>
               <a:t>‹#›</a:t>
             </a:fld>
             <a:endParaRPr lang="en-US"/>
@@ -2269,6 +2324,9 @@
   <p:clrMapOvr>
     <a:masterClrMapping/>
   </p:clrMapOvr>
+  <p:transition>
+    <p:wipe dir="d"/>
+  </p:transition>
 </p:sldLayout>
 </file>
 
@@ -2464,6 +2522,7 @@
           <a:p>
             <a:fld id="{96045E3A-2E11-44AD-A4C6-734A14E82785}" type="datetimeFigureOut">
               <a:rPr lang="en-US" smtClean="0"/>
+              <a:pPr/>
               <a:t>4/2/2018</a:t>
             </a:fld>
             <a:endParaRPr lang="en-US"/>
@@ -2506,6 +2565,7 @@
           <a:p>
             <a:fld id="{252B4B31-69AB-42E3-ADD4-1C60B1BF863C}" type="slidenum">
               <a:rPr lang="en-US" smtClean="0"/>
+              <a:pPr/>
               <a:t>‹#›</a:t>
             </a:fld>
             <a:endParaRPr lang="en-US"/>
@@ -2517,6 +2577,9 @@
   <p:clrMapOvr>
     <a:masterClrMapping/>
   </p:clrMapOvr>
+  <p:transition>
+    <p:wipe dir="d"/>
+  </p:transition>
 </p:sldLayout>
 </file>
 
@@ -2672,6 +2735,7 @@
           <a:p>
             <a:fld id="{96045E3A-2E11-44AD-A4C6-734A14E82785}" type="datetimeFigureOut">
               <a:rPr lang="en-US" smtClean="0"/>
+              <a:pPr/>
               <a:t>4/2/2018</a:t>
             </a:fld>
             <a:endParaRPr lang="en-US"/>
@@ -2750,6 +2814,7 @@
           <a:p>
             <a:fld id="{252B4B31-69AB-42E3-ADD4-1C60B1BF863C}" type="slidenum">
               <a:rPr lang="en-US" smtClean="0"/>
+              <a:pPr/>
               <a:t>‹#›</a:t>
             </a:fld>
             <a:endParaRPr lang="en-US"/>
@@ -2772,6 +2837,9 @@
     <p:sldLayoutId id="2147483658" r:id="rId10"/>
     <p:sldLayoutId id="2147483659" r:id="rId11"/>
   </p:sldLayoutIdLst>
+  <p:transition>
+    <p:wipe dir="d"/>
+  </p:transition>
   <p:txStyles>
     <p:titleStyle>
       <a:lvl1pPr algn="ctr" defTabSz="914400" rtl="0" eaLnBrk="1" latinLnBrk="0" hangingPunct="1">
@@ -3089,6 +3157,9 @@
   <p:clrMapOvr>
     <a:masterClrMapping/>
   </p:clrMapOvr>
+  <p:transition>
+    <p:wipe dir="d"/>
+  </p:transition>
   <p:timing>
     <p:tnLst>
       <p:par>
@@ -3096,6 +3167,611 @@
       </p:par>
     </p:tnLst>
   </p:timing>
+</p:sld>
+</file>
+
+<file path=ppt/slides/slide10.xml><?xml version="1.0" encoding="utf-8"?>
+<p:sld xmlns:a="http://schemas.openxmlformats.org/drawingml/2006/main" xmlns:r="http://schemas.openxmlformats.org/officeDocument/2006/relationships" xmlns:p="http://schemas.openxmlformats.org/presentationml/2006/main">
+  <p:cSld>
+    <p:spTree>
+      <p:nvGrpSpPr>
+        <p:cNvPr id="1" name=""/>
+        <p:cNvGrpSpPr/>
+        <p:nvPr/>
+      </p:nvGrpSpPr>
+      <p:grpSpPr>
+        <a:xfrm>
+          <a:off x="0" y="0"/>
+          <a:ext cx="0" cy="0"/>
+          <a:chOff x="0" y="0"/>
+          <a:chExt cx="0" cy="0"/>
+        </a:xfrm>
+      </p:grpSpPr>
+      <p:sp>
+        <p:nvSpPr>
+          <p:cNvPr id="2" name="Title 1"/>
+          <p:cNvSpPr>
+            <a:spLocks noGrp="1"/>
+          </p:cNvSpPr>
+          <p:nvPr>
+            <p:ph type="title"/>
+          </p:nvPr>
+        </p:nvSpPr>
+        <p:spPr/>
+        <p:txBody>
+          <a:bodyPr/>
+          <a:lstStyle/>
+          <a:p>
+            <a:r>
+              <a:rPr lang="ka-GE" dirty="0" smtClean="0"/>
+              <a:t>დავხატოთ დაფაზე</a:t>
+            </a:r>
+            <a:endParaRPr lang="en-US" dirty="0"/>
+          </a:p>
+        </p:txBody>
+      </p:sp>
+      <p:sp>
+        <p:nvSpPr>
+          <p:cNvPr id="3" name="Content Placeholder 2"/>
+          <p:cNvSpPr>
+            <a:spLocks noGrp="1"/>
+          </p:cNvSpPr>
+          <p:nvPr>
+            <p:ph idx="1"/>
+          </p:nvPr>
+        </p:nvSpPr>
+        <p:spPr/>
+        <p:txBody>
+          <a:bodyPr/>
+          <a:lstStyle/>
+          <a:p>
+            <a:r>
+              <a:rPr lang="ka-GE" dirty="0" smtClean="0"/>
+              <a:t>რა ტიპის ოპერაციებისთვის არის</a:t>
+            </a:r>
+          </a:p>
+          <a:p>
+            <a:r>
+              <a:rPr lang="en-US" dirty="0" smtClean="0"/>
+              <a:t>Map/Select</a:t>
+            </a:r>
+          </a:p>
+          <a:p>
+            <a:r>
+              <a:rPr lang="en-US" smtClean="0"/>
+              <a:t>Reduce/Aggregate</a:t>
+            </a:r>
+            <a:endParaRPr lang="en-US" dirty="0"/>
+          </a:p>
+        </p:txBody>
+      </p:sp>
+    </p:spTree>
+  </p:cSld>
+  <p:clrMapOvr>
+    <a:masterClrMapping/>
+  </p:clrMapOvr>
+  <p:transition>
+    <p:wipe dir="d"/>
+  </p:transition>
+</p:sld>
+</file>
+
+<file path=ppt/slides/slide11.xml><?xml version="1.0" encoding="utf-8"?>
+<p:sld xmlns:a="http://schemas.openxmlformats.org/drawingml/2006/main" xmlns:r="http://schemas.openxmlformats.org/officeDocument/2006/relationships" xmlns:p="http://schemas.openxmlformats.org/presentationml/2006/main">
+  <p:cSld>
+    <p:spTree>
+      <p:nvGrpSpPr>
+        <p:cNvPr id="1" name=""/>
+        <p:cNvGrpSpPr/>
+        <p:nvPr/>
+      </p:nvGrpSpPr>
+      <p:grpSpPr>
+        <a:xfrm>
+          <a:off x="0" y="0"/>
+          <a:ext cx="0" cy="0"/>
+          <a:chOff x="0" y="0"/>
+          <a:chExt cx="0" cy="0"/>
+        </a:xfrm>
+      </p:grpSpPr>
+      <p:sp>
+        <p:nvSpPr>
+          <p:cNvPr id="2" name="Title 1"/>
+          <p:cNvSpPr>
+            <a:spLocks noGrp="1"/>
+          </p:cNvSpPr>
+          <p:nvPr>
+            <p:ph type="title"/>
+          </p:nvPr>
+        </p:nvSpPr>
+        <p:spPr/>
+        <p:txBody>
+          <a:bodyPr>
+            <a:normAutofit fontScale="90000"/>
+          </a:bodyPr>
+          <a:lstStyle/>
+          <a:p>
+            <a:r>
+              <a:rPr lang="ka-GE" smtClean="0"/>
+              <a:t>რა კავშირი აქვს ფუნქციონალურ პროგრამირებასთან?</a:t>
+            </a:r>
+            <a:endParaRPr lang="en-US" dirty="0"/>
+          </a:p>
+        </p:txBody>
+      </p:sp>
+      <p:sp>
+        <p:nvSpPr>
+          <p:cNvPr id="3" name="Content Placeholder 2"/>
+          <p:cNvSpPr>
+            <a:spLocks noGrp="1"/>
+          </p:cNvSpPr>
+          <p:nvPr>
+            <p:ph idx="1"/>
+          </p:nvPr>
+        </p:nvSpPr>
+        <p:spPr/>
+        <p:txBody>
+          <a:bodyPr/>
+          <a:lstStyle/>
+          <a:p>
+            <a:endParaRPr lang="en-US" dirty="0"/>
+          </a:p>
+        </p:txBody>
+      </p:sp>
+    </p:spTree>
+  </p:cSld>
+  <p:clrMapOvr>
+    <a:masterClrMapping/>
+  </p:clrMapOvr>
+  <p:transition>
+    <p:wipe dir="d"/>
+  </p:transition>
+  <p:timing>
+    <p:tnLst>
+      <p:par>
+        <p:cTn id="1" dur="indefinite" restart="never" nodeType="tmRoot"/>
+      </p:par>
+    </p:tnLst>
+  </p:timing>
+</p:sld>
+</file>
+
+<file path=ppt/slides/slide12.xml><?xml version="1.0" encoding="utf-8"?>
+<p:sld xmlns:a="http://schemas.openxmlformats.org/drawingml/2006/main" xmlns:r="http://schemas.openxmlformats.org/officeDocument/2006/relationships" xmlns:p="http://schemas.openxmlformats.org/presentationml/2006/main">
+  <p:cSld>
+    <p:spTree>
+      <p:nvGrpSpPr>
+        <p:cNvPr id="1" name=""/>
+        <p:cNvGrpSpPr/>
+        <p:nvPr/>
+      </p:nvGrpSpPr>
+      <p:grpSpPr>
+        <a:xfrm>
+          <a:off x="0" y="0"/>
+          <a:ext cx="0" cy="0"/>
+          <a:chOff x="0" y="0"/>
+          <a:chExt cx="0" cy="0"/>
+        </a:xfrm>
+      </p:grpSpPr>
+      <p:sp>
+        <p:nvSpPr>
+          <p:cNvPr id="2" name="Title 1"/>
+          <p:cNvSpPr>
+            <a:spLocks noGrp="1"/>
+          </p:cNvSpPr>
+          <p:nvPr>
+            <p:ph type="title"/>
+          </p:nvPr>
+        </p:nvSpPr>
+        <p:spPr/>
+        <p:txBody>
+          <a:bodyPr>
+            <a:normAutofit fontScale="90000"/>
+          </a:bodyPr>
+          <a:lstStyle/>
+          <a:p>
+            <a:r>
+              <a:rPr lang="ka-GE" smtClean="0"/>
+              <a:t>რა კავშირი აქვს ფუნქციონალურ პროგრამირებასთან?</a:t>
+            </a:r>
+            <a:endParaRPr lang="en-US" dirty="0"/>
+          </a:p>
+        </p:txBody>
+      </p:sp>
+      <p:sp>
+        <p:nvSpPr>
+          <p:cNvPr id="3" name="Content Placeholder 2"/>
+          <p:cNvSpPr>
+            <a:spLocks noGrp="1"/>
+          </p:cNvSpPr>
+          <p:nvPr>
+            <p:ph idx="1"/>
+          </p:nvPr>
+        </p:nvSpPr>
+        <p:spPr/>
+        <p:txBody>
+          <a:bodyPr/>
+          <a:lstStyle/>
+          <a:p>
+            <a:r>
+              <a:rPr lang="ka-GE" dirty="0" smtClean="0"/>
+              <a:t>სტილი აქვს ფუნქციონალური </a:t>
+            </a:r>
+          </a:p>
+          <a:p>
+            <a:r>
+              <a:rPr lang="ka-GE" sz="1000" dirty="0" smtClean="0"/>
+              <a:t>იმ პონტში რო სინტაქსი </a:t>
+            </a:r>
+            <a:r>
+              <a:rPr lang="en-US" sz="1000" dirty="0" smtClean="0"/>
+              <a:t>Discourages </a:t>
+            </a:r>
+            <a:r>
+              <a:rPr lang="ka-GE" sz="1000" dirty="0" smtClean="0"/>
+              <a:t>სთეითის ცვლილებას </a:t>
+            </a:r>
+            <a:endParaRPr lang="en-US" sz="1000" dirty="0"/>
+          </a:p>
+        </p:txBody>
+      </p:sp>
+    </p:spTree>
+  </p:cSld>
+  <p:clrMapOvr>
+    <a:masterClrMapping/>
+  </p:clrMapOvr>
+  <p:transition>
+    <p:wipe dir="d"/>
+  </p:transition>
+  <p:timing>
+    <p:tnLst>
+      <p:par>
+        <p:cTn id="1" dur="indefinite" restart="never" nodeType="tmRoot"/>
+      </p:par>
+    </p:tnLst>
+  </p:timing>
+</p:sld>
+</file>
+
+<file path=ppt/slides/slide13.xml><?xml version="1.0" encoding="utf-8"?>
+<p:sld xmlns:a="http://schemas.openxmlformats.org/drawingml/2006/main" xmlns:r="http://schemas.openxmlformats.org/officeDocument/2006/relationships" xmlns:p="http://schemas.openxmlformats.org/presentationml/2006/main">
+  <p:cSld>
+    <p:spTree>
+      <p:nvGrpSpPr>
+        <p:cNvPr id="1" name=""/>
+        <p:cNvGrpSpPr/>
+        <p:nvPr/>
+      </p:nvGrpSpPr>
+      <p:grpSpPr>
+        <a:xfrm>
+          <a:off x="0" y="0"/>
+          <a:ext cx="0" cy="0"/>
+          <a:chOff x="0" y="0"/>
+          <a:chExt cx="0" cy="0"/>
+        </a:xfrm>
+      </p:grpSpPr>
+      <p:sp>
+        <p:nvSpPr>
+          <p:cNvPr id="2" name="Title 1"/>
+          <p:cNvSpPr>
+            <a:spLocks noGrp="1"/>
+          </p:cNvSpPr>
+          <p:nvPr>
+            <p:ph type="title"/>
+          </p:nvPr>
+        </p:nvSpPr>
+        <p:spPr/>
+        <p:txBody>
+          <a:bodyPr>
+            <a:normAutofit fontScale="90000"/>
+          </a:bodyPr>
+          <a:lstStyle/>
+          <a:p>
+            <a:r>
+              <a:rPr lang="ka-GE" dirty="0" smtClean="0"/>
+              <a:t>რა გვაქვს უკვე და არ გვჭირდება ლაპარაკი</a:t>
+            </a:r>
+            <a:endParaRPr lang="en-US" dirty="0"/>
+          </a:p>
+        </p:txBody>
+      </p:sp>
+      <p:sp>
+        <p:nvSpPr>
+          <p:cNvPr id="3" name="Content Placeholder 2"/>
+          <p:cNvSpPr>
+            <a:spLocks noGrp="1"/>
+          </p:cNvSpPr>
+          <p:nvPr>
+            <p:ph idx="1"/>
+          </p:nvPr>
+        </p:nvSpPr>
+        <p:spPr/>
+        <p:txBody>
+          <a:bodyPr/>
+          <a:lstStyle/>
+          <a:p>
+            <a:r>
+              <a:rPr lang="ka-GE" dirty="0" smtClean="0"/>
+              <a:t>საკაიფო ვიზუალიზაციები </a:t>
+            </a:r>
+            <a:r>
+              <a:rPr lang="en-US" dirty="0" smtClean="0">
+                <a:hlinkClick r:id="rId2"/>
+              </a:rPr>
+              <a:t>http://rxmarbles.com</a:t>
+            </a:r>
+            <a:endParaRPr lang="ka-GE" dirty="0" smtClean="0"/>
+          </a:p>
+          <a:p>
+            <a:r>
+              <a:rPr lang="ka-GE" dirty="0" smtClean="0"/>
+              <a:t>საკაიფო ინტერაქტიული ვიზუალიზაციები </a:t>
+            </a:r>
+            <a:br>
+              <a:rPr lang="ka-GE" dirty="0" smtClean="0"/>
+            </a:br>
+            <a:r>
+              <a:rPr lang="en-US" dirty="0" smtClean="0">
+                <a:hlinkClick r:id="rId3"/>
+              </a:rPr>
+              <a:t>https://rxviz.com</a:t>
+            </a:r>
+            <a:endParaRPr lang="ka-GE" dirty="0" smtClean="0"/>
+          </a:p>
+          <a:p>
+            <a:r>
+              <a:rPr lang="ka-GE" dirty="0" smtClean="0"/>
+              <a:t>ვრცელი და მოსაწყენი დოკუმენტაციები </a:t>
+            </a:r>
+            <a:r>
+              <a:rPr lang="en-US" dirty="0" smtClean="0"/>
+              <a:t>http://rxwiki.wikidot.com/ </a:t>
+            </a:r>
+            <a:r>
+              <a:rPr lang="ka-GE" dirty="0" smtClean="0"/>
+              <a:t>და </a:t>
+            </a:r>
+            <a:r>
+              <a:rPr lang="en-US" dirty="0" smtClean="0"/>
+              <a:t>http://reactivex.io</a:t>
+            </a:r>
+            <a:endParaRPr lang="en-US" dirty="0"/>
+          </a:p>
+        </p:txBody>
+      </p:sp>
+    </p:spTree>
+  </p:cSld>
+  <p:clrMapOvr>
+    <a:masterClrMapping/>
+  </p:clrMapOvr>
+  <p:transition>
+    <p:wipe dir="d"/>
+  </p:transition>
+  <p:timing>
+    <p:tnLst>
+      <p:par>
+        <p:cTn id="1" dur="indefinite" restart="never" nodeType="tmRoot"/>
+      </p:par>
+    </p:tnLst>
+  </p:timing>
+</p:sld>
+</file>
+
+<file path=ppt/slides/slide14.xml><?xml version="1.0" encoding="utf-8"?>
+<p:sld xmlns:a="http://schemas.openxmlformats.org/drawingml/2006/main" xmlns:r="http://schemas.openxmlformats.org/officeDocument/2006/relationships" xmlns:p="http://schemas.openxmlformats.org/presentationml/2006/main">
+  <p:cSld>
+    <p:spTree>
+      <p:nvGrpSpPr>
+        <p:cNvPr id="1" name=""/>
+        <p:cNvGrpSpPr/>
+        <p:nvPr/>
+      </p:nvGrpSpPr>
+      <p:grpSpPr>
+        <a:xfrm>
+          <a:off x="0" y="0"/>
+          <a:ext cx="0" cy="0"/>
+          <a:chOff x="0" y="0"/>
+          <a:chExt cx="0" cy="0"/>
+        </a:xfrm>
+      </p:grpSpPr>
+      <p:sp>
+        <p:nvSpPr>
+          <p:cNvPr id="2" name="Title 1"/>
+          <p:cNvSpPr>
+            <a:spLocks noGrp="1"/>
+          </p:cNvSpPr>
+          <p:nvPr>
+            <p:ph type="title"/>
+          </p:nvPr>
+        </p:nvSpPr>
+        <p:spPr/>
+        <p:txBody>
+          <a:bodyPr/>
+          <a:lstStyle/>
+          <a:p>
+            <a:endParaRPr lang="en-US" dirty="0"/>
+          </a:p>
+        </p:txBody>
+      </p:sp>
+      <p:sp>
+        <p:nvSpPr>
+          <p:cNvPr id="3" name="Content Placeholder 2"/>
+          <p:cNvSpPr>
+            <a:spLocks noGrp="1"/>
+          </p:cNvSpPr>
+          <p:nvPr>
+            <p:ph idx="1"/>
+          </p:nvPr>
+        </p:nvSpPr>
+        <p:spPr/>
+        <p:txBody>
+          <a:bodyPr/>
+          <a:lstStyle/>
+          <a:p>
+            <a:endParaRPr lang="en-US" dirty="0"/>
+          </a:p>
+        </p:txBody>
+      </p:sp>
+    </p:spTree>
+  </p:cSld>
+  <p:clrMapOvr>
+    <a:masterClrMapping/>
+  </p:clrMapOvr>
+  <p:transition>
+    <p:wipe dir="d"/>
+  </p:transition>
+  <p:timing>
+    <p:tnLst>
+      <p:par>
+        <p:cTn id="1" dur="indefinite" restart="never" nodeType="tmRoot"/>
+      </p:par>
+    </p:tnLst>
+  </p:timing>
+</p:sld>
+</file>
+
+<file path=ppt/slides/slide15.xml><?xml version="1.0" encoding="utf-8"?>
+<p:sld xmlns:a="http://schemas.openxmlformats.org/drawingml/2006/main" xmlns:r="http://schemas.openxmlformats.org/officeDocument/2006/relationships" xmlns:p="http://schemas.openxmlformats.org/presentationml/2006/main">
+  <p:cSld>
+    <p:spTree>
+      <p:nvGrpSpPr>
+        <p:cNvPr id="1" name=""/>
+        <p:cNvGrpSpPr/>
+        <p:nvPr/>
+      </p:nvGrpSpPr>
+      <p:grpSpPr>
+        <a:xfrm>
+          <a:off x="0" y="0"/>
+          <a:ext cx="0" cy="0"/>
+          <a:chOff x="0" y="0"/>
+          <a:chExt cx="0" cy="0"/>
+        </a:xfrm>
+      </p:grpSpPr>
+      <p:sp>
+        <p:nvSpPr>
+          <p:cNvPr id="2" name="Title 1"/>
+          <p:cNvSpPr>
+            <a:spLocks noGrp="1"/>
+          </p:cNvSpPr>
+          <p:nvPr>
+            <p:ph type="title"/>
+          </p:nvPr>
+        </p:nvSpPr>
+        <p:spPr/>
+        <p:txBody>
+          <a:bodyPr/>
+          <a:lstStyle/>
+          <a:p>
+            <a:r>
+              <a:rPr lang="ka-GE" dirty="0" smtClean="0"/>
+              <a:t>და პრაქტიკა</a:t>
+            </a:r>
+            <a:endParaRPr lang="en-US" dirty="0"/>
+          </a:p>
+        </p:txBody>
+      </p:sp>
+      <p:sp>
+        <p:nvSpPr>
+          <p:cNvPr id="3" name="Content Placeholder 2"/>
+          <p:cNvSpPr>
+            <a:spLocks noGrp="1"/>
+          </p:cNvSpPr>
+          <p:nvPr>
+            <p:ph idx="1"/>
+          </p:nvPr>
+        </p:nvSpPr>
+        <p:spPr/>
+        <p:txBody>
+          <a:bodyPr/>
+          <a:lstStyle/>
+          <a:p>
+            <a:endParaRPr lang="ka-GE" dirty="0" smtClean="0"/>
+          </a:p>
+          <a:p>
+            <a:endParaRPr lang="en-US" dirty="0"/>
+          </a:p>
+        </p:txBody>
+      </p:sp>
+    </p:spTree>
+  </p:cSld>
+  <p:clrMapOvr>
+    <a:masterClrMapping/>
+  </p:clrMapOvr>
+  <p:transition>
+    <p:wipe dir="d"/>
+  </p:transition>
+</p:sld>
+</file>
+
+<file path=ppt/slides/slide16.xml><?xml version="1.0" encoding="utf-8"?>
+<p:sld xmlns:a="http://schemas.openxmlformats.org/drawingml/2006/main" xmlns:r="http://schemas.openxmlformats.org/officeDocument/2006/relationships" xmlns:p="http://schemas.openxmlformats.org/presentationml/2006/main">
+  <p:cSld>
+    <p:spTree>
+      <p:nvGrpSpPr>
+        <p:cNvPr id="1" name=""/>
+        <p:cNvGrpSpPr/>
+        <p:nvPr/>
+      </p:nvGrpSpPr>
+      <p:grpSpPr>
+        <a:xfrm>
+          <a:off x="0" y="0"/>
+          <a:ext cx="0" cy="0"/>
+          <a:chOff x="0" y="0"/>
+          <a:chExt cx="0" cy="0"/>
+        </a:xfrm>
+      </p:grpSpPr>
+      <p:sp>
+        <p:nvSpPr>
+          <p:cNvPr id="2" name="Title 1"/>
+          <p:cNvSpPr>
+            <a:spLocks noGrp="1"/>
+          </p:cNvSpPr>
+          <p:nvPr>
+            <p:ph type="title"/>
+          </p:nvPr>
+        </p:nvSpPr>
+        <p:spPr/>
+        <p:txBody>
+          <a:bodyPr/>
+          <a:lstStyle/>
+          <a:p>
+            <a:r>
+              <a:rPr lang="ka-GE" dirty="0" smtClean="0"/>
+              <a:t>და პრაქტიკა</a:t>
+            </a:r>
+            <a:endParaRPr lang="en-US" dirty="0"/>
+          </a:p>
+        </p:txBody>
+      </p:sp>
+      <p:sp>
+        <p:nvSpPr>
+          <p:cNvPr id="3" name="Content Placeholder 2"/>
+          <p:cNvSpPr>
+            <a:spLocks noGrp="1"/>
+          </p:cNvSpPr>
+          <p:nvPr>
+            <p:ph idx="1"/>
+          </p:nvPr>
+        </p:nvSpPr>
+        <p:spPr/>
+        <p:txBody>
+          <a:bodyPr/>
+          <a:lstStyle/>
+          <a:p>
+            <a:endParaRPr lang="ka-GE" dirty="0" smtClean="0"/>
+          </a:p>
+          <a:p>
+            <a:endParaRPr lang="en-US" dirty="0"/>
+          </a:p>
+        </p:txBody>
+      </p:sp>
+    </p:spTree>
+  </p:cSld>
+  <p:clrMapOvr>
+    <a:masterClrMapping/>
+  </p:clrMapOvr>
+  <p:transition>
+    <p:wipe dir="d"/>
+  </p:transition>
 </p:sld>
 </file>
 
@@ -3133,7 +3809,7 @@
           <a:p>
             <a:r>
               <a:rPr lang="ka-GE" dirty="0" smtClean="0"/>
-              <a:t>რად გვინდა?</a:t>
+              <a:t>რა საჭიროა?</a:t>
             </a:r>
             <a:endParaRPr lang="en-US" dirty="0"/>
           </a:p>
@@ -3151,22 +3827,67 @@
         </p:nvSpPr>
         <p:spPr/>
         <p:txBody>
-          <a:bodyPr/>
-          <a:lstStyle/>
-          <a:p>
-            <a:r>
-              <a:rPr lang="ka-GE" dirty="0" smtClean="0"/>
-              <a:t>მოსახერხებელია ისეთი ლოგიკის მოდელირებისთვის რომელიც "იმართება" გარეშე ფაქტორების მიერ</a:t>
-            </a:r>
+          <a:bodyPr>
+            <a:normAutofit/>
+          </a:bodyPr>
+          <a:lstStyle/>
+          <a:p>
+            <a:endParaRPr lang="ka-GE" dirty="0" smtClean="0"/>
+          </a:p>
+          <a:p>
+            <a:endParaRPr lang="ka-GE" dirty="0" smtClean="0"/>
+          </a:p>
+          <a:p>
+            <a:endParaRPr lang="ka-GE" dirty="0" smtClean="0"/>
+          </a:p>
+          <a:p>
+            <a:endParaRPr lang="ka-GE" dirty="0" smtClean="0"/>
+          </a:p>
+          <a:p>
+            <a:endParaRPr lang="ka-GE" dirty="0" smtClean="0"/>
+          </a:p>
+          <a:p>
+            <a:endParaRPr lang="ka-GE" dirty="0" smtClean="0"/>
+          </a:p>
+          <a:p>
             <a:endParaRPr lang="en-US" dirty="0"/>
           </a:p>
         </p:txBody>
       </p:sp>
+      <p:pic>
+        <p:nvPicPr>
+          <p:cNvPr id="11266" name="Picture 2" descr="áªáá¡á¤áá á ááááá-áá¡ á¡á£á áááá¡ á¨ááááá"/>
+          <p:cNvPicPr>
+            <a:picLocks noChangeAspect="1" noChangeArrowheads="1"/>
+          </p:cNvPicPr>
+          <p:nvPr/>
+        </p:nvPicPr>
+        <p:blipFill>
+          <a:blip r:embed="rId2"/>
+          <a:srcRect/>
+          <a:stretch>
+            <a:fillRect/>
+          </a:stretch>
+        </p:blipFill>
+        <p:spPr bwMode="auto">
+          <a:xfrm>
+            <a:off x="2057400" y="1219200"/>
+            <a:ext cx="4572000" cy="3429001"/>
+          </a:xfrm>
+          <a:prstGeom prst="rect">
+            <a:avLst/>
+          </a:prstGeom>
+          <a:noFill/>
+        </p:spPr>
+      </p:pic>
     </p:spTree>
   </p:cSld>
   <p:clrMapOvr>
     <a:masterClrMapping/>
   </p:clrMapOvr>
+  <p:transition>
+    <p:wipe dir="d"/>
+  </p:transition>
   <p:timing>
     <p:tnLst>
       <p:par>
@@ -3211,7 +3932,7 @@
           <a:p>
             <a:r>
               <a:rPr lang="ka-GE" dirty="0" smtClean="0"/>
-              <a:t>რად გვინდა?</a:t>
+              <a:t>რა საჭიროა?</a:t>
             </a:r>
             <a:endParaRPr lang="en-US" dirty="0"/>
           </a:p>
@@ -3229,27 +3950,50 @@
         </p:nvSpPr>
         <p:spPr/>
         <p:txBody>
-          <a:bodyPr/>
-          <a:lstStyle/>
+          <a:bodyPr>
+            <a:normAutofit fontScale="92500" lnSpcReduction="10000"/>
+          </a:bodyPr>
+          <a:lstStyle/>
+          <a:p>
+            <a:endParaRPr lang="ka-GE" dirty="0" smtClean="0"/>
+          </a:p>
+          <a:p>
+            <a:endParaRPr lang="ka-GE" dirty="0" smtClean="0"/>
+          </a:p>
+          <a:p>
+            <a:endParaRPr lang="ka-GE" dirty="0" smtClean="0"/>
+          </a:p>
+          <a:p>
+            <a:endParaRPr lang="ka-GE" dirty="0" smtClean="0"/>
+          </a:p>
+          <a:p>
+            <a:endParaRPr lang="ka-GE" dirty="0" smtClean="0"/>
+          </a:p>
+          <a:p>
+            <a:endParaRPr lang="ka-GE" dirty="0" smtClean="0"/>
+          </a:p>
           <a:p>
             <a:r>
               <a:rPr lang="ka-GE" dirty="0" smtClean="0"/>
-              <a:t>მოსახერხებელია ისეთი ლოგიკის მოდელირებისთვის რომელიც "იმართება" გარეშე ფაქტორებით</a:t>
-            </a:r>
+              <a:t>მოსახერხებელია ისეთი ლოგიკის მოდელირებისთვის რომელიც "იმართება" გარეშე ფაქტორების მიერ</a:t>
+            </a:r>
+            <a:endParaRPr lang="en-US" dirty="0" smtClean="0"/>
+          </a:p>
+          <a:p>
             <a:endParaRPr lang="en-US" dirty="0"/>
           </a:p>
         </p:txBody>
       </p:sp>
       <p:pic>
         <p:nvPicPr>
-          <p:cNvPr id="4" name="Picture 2" descr="baby crying-áá¡ á¡á£á áááá¡ á¨ááááá"/>
+          <p:cNvPr id="11266" name="Picture 2" descr="áªáá¡á¤áá á ááááá-áá¡ á¡á£á áááá¡ á¨ááááá"/>
           <p:cNvPicPr>
             <a:picLocks noChangeAspect="1" noChangeArrowheads="1"/>
           </p:cNvPicPr>
           <p:nvPr/>
         </p:nvPicPr>
         <p:blipFill>
-          <a:blip r:embed="rId2" cstate="print"/>
+          <a:blip r:embed="rId2"/>
           <a:srcRect/>
           <a:stretch>
             <a:fillRect/>
@@ -3257,8 +4001,8 @@
         </p:blipFill>
         <p:spPr bwMode="auto">
           <a:xfrm>
-            <a:off x="2133600" y="3657600"/>
-            <a:ext cx="4360333" cy="2452688"/>
+            <a:off x="2057400" y="1219200"/>
+            <a:ext cx="4572000" cy="3429001"/>
           </a:xfrm>
           <a:prstGeom prst="rect">
             <a:avLst/>
@@ -3271,6 +4015,9 @@
   <p:clrMapOvr>
     <a:masterClrMapping/>
   </p:clrMapOvr>
+  <p:transition>
+    <p:wipe dir="d"/>
+  </p:transition>
   <p:timing>
     <p:tnLst>
       <p:par>
@@ -3315,7 +4062,7 @@
           <a:p>
             <a:r>
               <a:rPr lang="ka-GE" dirty="0" smtClean="0"/>
-              <a:t>მოძღვრება</a:t>
+              <a:t>ანუ?</a:t>
             </a:r>
             <a:endParaRPr lang="en-US" dirty="0"/>
           </a:p>
@@ -3333,13 +4080,27 @@
         </p:nvSpPr>
         <p:spPr/>
         <p:txBody>
-          <a:bodyPr/>
-          <a:lstStyle/>
-          <a:p>
-            <a:r>
-              <a:rPr lang="en-US" b="1" dirty="0" smtClean="0"/>
-              <a:t>Reactive programming is programming with asynchronous data streams.</a:t>
-            </a:r>
+          <a:bodyPr>
+            <a:normAutofit/>
+          </a:bodyPr>
+          <a:lstStyle/>
+          <a:p>
+            <a:endParaRPr lang="ka-GE" dirty="0" smtClean="0"/>
+          </a:p>
+          <a:p>
+            <a:endParaRPr lang="ka-GE" dirty="0" smtClean="0"/>
+          </a:p>
+          <a:p>
+            <a:endParaRPr lang="ka-GE" dirty="0" smtClean="0"/>
+          </a:p>
+          <a:p>
+            <a:endParaRPr lang="ka-GE" dirty="0" smtClean="0"/>
+          </a:p>
+          <a:p>
+            <a:endParaRPr lang="ka-GE" dirty="0" smtClean="0"/>
+          </a:p>
+          <a:p>
+            <a:endParaRPr lang="ka-GE" dirty="0" smtClean="0"/>
           </a:p>
           <a:p>
             <a:endParaRPr lang="en-US" dirty="0"/>
@@ -3351,6 +4112,9 @@
   <p:clrMapOvr>
     <a:masterClrMapping/>
   </p:clrMapOvr>
+  <p:transition>
+    <p:wipe dir="d"/>
+  </p:transition>
   <p:timing>
     <p:tnLst>
       <p:par>
@@ -3362,6 +4126,645 @@
 </file>
 
 <file path=ppt/slides/slide5.xml><?xml version="1.0" encoding="utf-8"?>
+<p:sld xmlns:a="http://schemas.openxmlformats.org/drawingml/2006/main" xmlns:r="http://schemas.openxmlformats.org/officeDocument/2006/relationships" xmlns:p="http://schemas.openxmlformats.org/presentationml/2006/main">
+  <p:cSld>
+    <p:spTree>
+      <p:nvGrpSpPr>
+        <p:cNvPr id="1" name=""/>
+        <p:cNvGrpSpPr/>
+        <p:nvPr/>
+      </p:nvGrpSpPr>
+      <p:grpSpPr>
+        <a:xfrm>
+          <a:off x="0" y="0"/>
+          <a:ext cx="0" cy="0"/>
+          <a:chOff x="0" y="0"/>
+          <a:chExt cx="0" cy="0"/>
+        </a:xfrm>
+      </p:grpSpPr>
+      <p:sp>
+        <p:nvSpPr>
+          <p:cNvPr id="2" name="Title 1"/>
+          <p:cNvSpPr>
+            <a:spLocks noGrp="1"/>
+          </p:cNvSpPr>
+          <p:nvPr>
+            <p:ph type="title"/>
+          </p:nvPr>
+        </p:nvSpPr>
+        <p:spPr>
+          <a:xfrm>
+            <a:off x="152400" y="5562600"/>
+            <a:ext cx="8229600" cy="1143000"/>
+          </a:xfrm>
+        </p:spPr>
+        <p:txBody>
+          <a:bodyPr>
+            <a:normAutofit/>
+          </a:bodyPr>
+          <a:lstStyle/>
+          <a:p>
+            <a:r>
+              <a:rPr lang="ka-GE" sz="3200" dirty="0" smtClean="0"/>
+              <a:t>რისი ინიცირებაც არ ხდება ჩვენს მიერ მაგრამ გვიწევს რეაგირება</a:t>
+            </a:r>
+            <a:endParaRPr lang="en-US" sz="3200" dirty="0"/>
+          </a:p>
+        </p:txBody>
+      </p:sp>
+      <p:sp>
+        <p:nvSpPr>
+          <p:cNvPr id="3" name="Content Placeholder 2"/>
+          <p:cNvSpPr>
+            <a:spLocks noGrp="1"/>
+          </p:cNvSpPr>
+          <p:nvPr>
+            <p:ph idx="1"/>
+          </p:nvPr>
+        </p:nvSpPr>
+        <p:spPr/>
+        <p:txBody>
+          <a:bodyPr>
+            <a:normAutofit/>
+          </a:bodyPr>
+          <a:lstStyle/>
+          <a:p>
+            <a:endParaRPr lang="ka-GE" dirty="0" smtClean="0"/>
+          </a:p>
+          <a:p>
+            <a:endParaRPr lang="ka-GE" dirty="0" smtClean="0"/>
+          </a:p>
+          <a:p>
+            <a:endParaRPr lang="ka-GE" dirty="0" smtClean="0"/>
+          </a:p>
+          <a:p>
+            <a:endParaRPr lang="ka-GE" dirty="0" smtClean="0"/>
+          </a:p>
+          <a:p>
+            <a:endParaRPr lang="ka-GE" dirty="0" smtClean="0"/>
+          </a:p>
+          <a:p>
+            <a:endParaRPr lang="ka-GE" dirty="0" smtClean="0"/>
+          </a:p>
+          <a:p>
+            <a:endParaRPr lang="en-US" dirty="0"/>
+          </a:p>
+        </p:txBody>
+      </p:sp>
+      <p:pic>
+        <p:nvPicPr>
+          <p:cNvPr id="29698" name="Picture 2" descr="áªáá¡á¤áá á ááááá-áá¡ á¡á£á áááá¡ á¨ááááá"/>
+          <p:cNvPicPr>
+            <a:picLocks noChangeAspect="1" noChangeArrowheads="1"/>
+          </p:cNvPicPr>
+          <p:nvPr/>
+        </p:nvPicPr>
+        <p:blipFill>
+          <a:blip r:embed="rId2"/>
+          <a:srcRect/>
+          <a:stretch>
+            <a:fillRect/>
+          </a:stretch>
+        </p:blipFill>
+        <p:spPr bwMode="auto">
+          <a:xfrm>
+            <a:off x="609600" y="1676400"/>
+            <a:ext cx="7715250" cy="3857625"/>
+          </a:xfrm>
+          <a:prstGeom prst="rect">
+            <a:avLst/>
+          </a:prstGeom>
+          <a:noFill/>
+        </p:spPr>
+      </p:pic>
+      <p:sp>
+        <p:nvSpPr>
+          <p:cNvPr id="6" name="Title 1"/>
+          <p:cNvSpPr txBox="1">
+            <a:spLocks/>
+          </p:cNvSpPr>
+          <p:nvPr/>
+        </p:nvSpPr>
+        <p:spPr>
+          <a:xfrm>
+            <a:off x="457200" y="274638"/>
+            <a:ext cx="8229600" cy="1143000"/>
+          </a:xfrm>
+          <a:prstGeom prst="rect">
+            <a:avLst/>
+          </a:prstGeom>
+        </p:spPr>
+        <p:txBody>
+          <a:bodyPr vert="horz" lIns="91440" tIns="45720" rIns="91440" bIns="45720" rtlCol="0" anchor="ctr">
+            <a:normAutofit/>
+          </a:bodyPr>
+          <a:lstStyle/>
+          <a:p>
+            <a:pPr marL="0" marR="0" lvl="0" indent="0" algn="ctr" defTabSz="914400" rtl="0" eaLnBrk="1" fontAlgn="auto" latinLnBrk="0" hangingPunct="1">
+              <a:lnSpc>
+                <a:spcPct val="100000"/>
+              </a:lnSpc>
+              <a:spcBef>
+                <a:spcPct val="0"/>
+              </a:spcBef>
+              <a:spcAft>
+                <a:spcPts val="0"/>
+              </a:spcAft>
+              <a:buClrTx/>
+              <a:buSzTx/>
+              <a:buFontTx/>
+              <a:buNone/>
+              <a:tabLst/>
+              <a:defRPr/>
+            </a:pPr>
+            <a:r>
+              <a:rPr kumimoji="0" lang="ka-GE" sz="4400" b="0" i="0" u="none" strike="noStrike" kern="1200" cap="none" spc="0" normalizeH="0" baseline="0" noProof="0" smtClean="0">
+                <a:ln>
+                  <a:noFill/>
+                </a:ln>
+                <a:solidFill>
+                  <a:schemeClr val="tx1"/>
+                </a:solidFill>
+                <a:effectLst/>
+                <a:uLnTx/>
+                <a:uFillTx/>
+                <a:latin typeface="+mj-lt"/>
+                <a:ea typeface="+mj-ea"/>
+                <a:cs typeface="+mj-cs"/>
+              </a:rPr>
+              <a:t>ანუ?</a:t>
+            </a:r>
+            <a:endParaRPr kumimoji="0" lang="en-US" sz="4400" b="0" i="0" u="none" strike="noStrike" kern="1200" cap="none" spc="0" normalizeH="0" baseline="0" noProof="0" dirty="0">
+              <a:ln>
+                <a:noFill/>
+              </a:ln>
+              <a:solidFill>
+                <a:schemeClr val="tx1"/>
+              </a:solidFill>
+              <a:effectLst/>
+              <a:uLnTx/>
+              <a:uFillTx/>
+              <a:latin typeface="+mj-lt"/>
+              <a:ea typeface="+mj-ea"/>
+              <a:cs typeface="+mj-cs"/>
+            </a:endParaRPr>
+          </a:p>
+        </p:txBody>
+      </p:sp>
+    </p:spTree>
+  </p:cSld>
+  <p:clrMapOvr>
+    <a:masterClrMapping/>
+  </p:clrMapOvr>
+  <p:transition>
+    <p:wipe dir="d"/>
+  </p:transition>
+  <p:timing>
+    <p:tnLst>
+      <p:par>
+        <p:cTn id="1" dur="indefinite" restart="never" nodeType="tmRoot"/>
+      </p:par>
+    </p:tnLst>
+  </p:timing>
+</p:sld>
+</file>
+
+<file path=ppt/slides/slide6.xml><?xml version="1.0" encoding="utf-8"?>
+<p:sld xmlns:a="http://schemas.openxmlformats.org/drawingml/2006/main" xmlns:r="http://schemas.openxmlformats.org/officeDocument/2006/relationships" xmlns:p="http://schemas.openxmlformats.org/presentationml/2006/main">
+  <p:cSld>
+    <p:spTree>
+      <p:nvGrpSpPr>
+        <p:cNvPr id="1" name=""/>
+        <p:cNvGrpSpPr/>
+        <p:nvPr/>
+      </p:nvGrpSpPr>
+      <p:grpSpPr>
+        <a:xfrm>
+          <a:off x="0" y="0"/>
+          <a:ext cx="0" cy="0"/>
+          <a:chOff x="0" y="0"/>
+          <a:chExt cx="0" cy="0"/>
+        </a:xfrm>
+      </p:grpSpPr>
+      <p:sp>
+        <p:nvSpPr>
+          <p:cNvPr id="2" name="Title 1"/>
+          <p:cNvSpPr>
+            <a:spLocks noGrp="1"/>
+          </p:cNvSpPr>
+          <p:nvPr>
+            <p:ph type="title"/>
+          </p:nvPr>
+        </p:nvSpPr>
+        <p:spPr/>
+        <p:txBody>
+          <a:bodyPr/>
+          <a:lstStyle/>
+          <a:p>
+            <a:r>
+              <a:rPr lang="ka-GE" dirty="0" smtClean="0"/>
+              <a:t>პირიქით როდის ხდება</a:t>
+            </a:r>
+            <a:endParaRPr lang="en-US" dirty="0"/>
+          </a:p>
+        </p:txBody>
+      </p:sp>
+      <p:sp>
+        <p:nvSpPr>
+          <p:cNvPr id="3" name="Content Placeholder 2"/>
+          <p:cNvSpPr>
+            <a:spLocks noGrp="1"/>
+          </p:cNvSpPr>
+          <p:nvPr>
+            <p:ph idx="1"/>
+          </p:nvPr>
+        </p:nvSpPr>
+        <p:spPr/>
+        <p:txBody>
+          <a:bodyPr>
+            <a:normAutofit fontScale="92500" lnSpcReduction="10000"/>
+          </a:bodyPr>
+          <a:lstStyle/>
+          <a:p>
+            <a:endParaRPr lang="ka-GE" dirty="0" smtClean="0"/>
+          </a:p>
+          <a:p>
+            <a:endParaRPr lang="ka-GE" dirty="0" smtClean="0"/>
+          </a:p>
+          <a:p>
+            <a:endParaRPr lang="ka-GE" dirty="0" smtClean="0"/>
+          </a:p>
+          <a:p>
+            <a:endParaRPr lang="ka-GE" dirty="0" smtClean="0"/>
+          </a:p>
+          <a:p>
+            <a:endParaRPr lang="ka-GE" dirty="0" smtClean="0"/>
+          </a:p>
+          <a:p>
+            <a:endParaRPr lang="ka-GE" dirty="0" smtClean="0"/>
+          </a:p>
+          <a:p>
+            <a:r>
+              <a:rPr lang="ka-GE" dirty="0" smtClean="0"/>
+              <a:t>მოსახერხებელია ისეთი ლოგიკის მოდელირებისთვის რომელიც "იმართება" გარეშე ფაქტორების მიერ</a:t>
+            </a:r>
+            <a:endParaRPr lang="en-US" dirty="0" smtClean="0"/>
+          </a:p>
+          <a:p>
+            <a:endParaRPr lang="en-US" dirty="0"/>
+          </a:p>
+        </p:txBody>
+      </p:sp>
+      <p:pic>
+        <p:nvPicPr>
+          <p:cNvPr id="11266" name="Picture 2" descr="áªáá¡á¤áá á ááááá-áá¡ á¡á£á áááá¡ á¨ááááá"/>
+          <p:cNvPicPr>
+            <a:picLocks noChangeAspect="1" noChangeArrowheads="1"/>
+          </p:cNvPicPr>
+          <p:nvPr/>
+        </p:nvPicPr>
+        <p:blipFill>
+          <a:blip r:embed="rId2"/>
+          <a:srcRect/>
+          <a:stretch>
+            <a:fillRect/>
+          </a:stretch>
+        </p:blipFill>
+        <p:spPr bwMode="auto">
+          <a:xfrm>
+            <a:off x="2057400" y="1219200"/>
+            <a:ext cx="4572000" cy="3429001"/>
+          </a:xfrm>
+          <a:prstGeom prst="rect">
+            <a:avLst/>
+          </a:prstGeom>
+          <a:noFill/>
+        </p:spPr>
+      </p:pic>
+      <p:pic>
+        <p:nvPicPr>
+          <p:cNvPr id="25602" name="Picture 2" descr="áªáá¡á¤áá á ááááá-áá¡ á¡á£á áááá¡ á¨ááááá"/>
+          <p:cNvPicPr>
+            <a:picLocks noChangeAspect="1" noChangeArrowheads="1"/>
+          </p:cNvPicPr>
+          <p:nvPr/>
+        </p:nvPicPr>
+        <p:blipFill>
+          <a:blip r:embed="rId3"/>
+          <a:srcRect/>
+          <a:stretch>
+            <a:fillRect/>
+          </a:stretch>
+        </p:blipFill>
+        <p:spPr bwMode="auto">
+          <a:xfrm>
+            <a:off x="-533400" y="1219200"/>
+            <a:ext cx="10024534" cy="5638800"/>
+          </a:xfrm>
+          <a:prstGeom prst="rect">
+            <a:avLst/>
+          </a:prstGeom>
+          <a:noFill/>
+        </p:spPr>
+      </p:pic>
+    </p:spTree>
+  </p:cSld>
+  <p:clrMapOvr>
+    <a:masterClrMapping/>
+  </p:clrMapOvr>
+  <p:transition>
+    <p:wipe dir="d"/>
+  </p:transition>
+  <p:timing>
+    <p:tnLst>
+      <p:par>
+        <p:cTn id="1" dur="indefinite" restart="never" nodeType="tmRoot"/>
+      </p:par>
+    </p:tnLst>
+  </p:timing>
+</p:sld>
+</file>
+
+<file path=ppt/slides/slide7.xml><?xml version="1.0" encoding="utf-8"?>
+<p:sld xmlns:a="http://schemas.openxmlformats.org/drawingml/2006/main" xmlns:r="http://schemas.openxmlformats.org/officeDocument/2006/relationships" xmlns:p="http://schemas.openxmlformats.org/presentationml/2006/main">
+  <p:cSld>
+    <p:spTree>
+      <p:nvGrpSpPr>
+        <p:cNvPr id="1" name=""/>
+        <p:cNvGrpSpPr/>
+        <p:nvPr/>
+      </p:nvGrpSpPr>
+      <p:grpSpPr>
+        <a:xfrm>
+          <a:off x="0" y="0"/>
+          <a:ext cx="0" cy="0"/>
+          <a:chOff x="0" y="0"/>
+          <a:chExt cx="0" cy="0"/>
+        </a:xfrm>
+      </p:grpSpPr>
+      <p:sp>
+        <p:nvSpPr>
+          <p:cNvPr id="2" name="Title 1"/>
+          <p:cNvSpPr>
+            <a:spLocks noGrp="1"/>
+          </p:cNvSpPr>
+          <p:nvPr>
+            <p:ph type="title"/>
+          </p:nvPr>
+        </p:nvSpPr>
+        <p:spPr/>
+        <p:txBody>
+          <a:bodyPr/>
+          <a:lstStyle/>
+          <a:p>
+            <a:r>
+              <a:rPr lang="ka-GE" dirty="0" smtClean="0"/>
+              <a:t>პირიქით როდის ხდება</a:t>
+            </a:r>
+            <a:endParaRPr lang="en-US" dirty="0"/>
+          </a:p>
+        </p:txBody>
+      </p:sp>
+      <p:sp>
+        <p:nvSpPr>
+          <p:cNvPr id="3" name="Content Placeholder 2"/>
+          <p:cNvSpPr>
+            <a:spLocks noGrp="1"/>
+          </p:cNvSpPr>
+          <p:nvPr>
+            <p:ph idx="1"/>
+          </p:nvPr>
+        </p:nvSpPr>
+        <p:spPr/>
+        <p:txBody>
+          <a:bodyPr>
+            <a:normAutofit fontScale="92500" lnSpcReduction="10000"/>
+          </a:bodyPr>
+          <a:lstStyle/>
+          <a:p>
+            <a:endParaRPr lang="ka-GE" dirty="0" smtClean="0"/>
+          </a:p>
+          <a:p>
+            <a:endParaRPr lang="ka-GE" dirty="0" smtClean="0"/>
+          </a:p>
+          <a:p>
+            <a:endParaRPr lang="ka-GE" dirty="0" smtClean="0"/>
+          </a:p>
+          <a:p>
+            <a:endParaRPr lang="ka-GE" dirty="0" smtClean="0"/>
+          </a:p>
+          <a:p>
+            <a:endParaRPr lang="ka-GE" dirty="0" smtClean="0"/>
+          </a:p>
+          <a:p>
+            <a:endParaRPr lang="ka-GE" dirty="0" smtClean="0"/>
+          </a:p>
+          <a:p>
+            <a:r>
+              <a:rPr lang="ka-GE" dirty="0" smtClean="0"/>
+              <a:t>მოსახერხებელია ისეთი ლოგიკის მოდელირებისთვის რომელიც "იმართება" გარეშე ფაქტორების მიერ</a:t>
+            </a:r>
+            <a:endParaRPr lang="en-US" dirty="0" smtClean="0"/>
+          </a:p>
+          <a:p>
+            <a:endParaRPr lang="en-US" dirty="0"/>
+          </a:p>
+        </p:txBody>
+      </p:sp>
+      <p:pic>
+        <p:nvPicPr>
+          <p:cNvPr id="11266" name="Picture 2" descr="áªáá¡á¤áá á ááááá-áá¡ á¡á£á áááá¡ á¨ááááá"/>
+          <p:cNvPicPr>
+            <a:picLocks noChangeAspect="1" noChangeArrowheads="1"/>
+          </p:cNvPicPr>
+          <p:nvPr/>
+        </p:nvPicPr>
+        <p:blipFill>
+          <a:blip r:embed="rId2"/>
+          <a:srcRect/>
+          <a:stretch>
+            <a:fillRect/>
+          </a:stretch>
+        </p:blipFill>
+        <p:spPr bwMode="auto">
+          <a:xfrm>
+            <a:off x="2057400" y="1219200"/>
+            <a:ext cx="4572000" cy="3429001"/>
+          </a:xfrm>
+          <a:prstGeom prst="rect">
+            <a:avLst/>
+          </a:prstGeom>
+          <a:noFill/>
+        </p:spPr>
+      </p:pic>
+      <p:pic>
+        <p:nvPicPr>
+          <p:cNvPr id="25602" name="Picture 2" descr="áªáá¡á¤áá á ááááá-áá¡ á¡á£á áááá¡ á¨ááááá"/>
+          <p:cNvPicPr>
+            <a:picLocks noChangeAspect="1" noChangeArrowheads="1"/>
+          </p:cNvPicPr>
+          <p:nvPr/>
+        </p:nvPicPr>
+        <p:blipFill>
+          <a:blip r:embed="rId3"/>
+          <a:srcRect/>
+          <a:stretch>
+            <a:fillRect/>
+          </a:stretch>
+        </p:blipFill>
+        <p:spPr bwMode="auto">
+          <a:xfrm>
+            <a:off x="-533400" y="1219200"/>
+            <a:ext cx="10024534" cy="5638800"/>
+          </a:xfrm>
+          <a:prstGeom prst="rect">
+            <a:avLst/>
+          </a:prstGeom>
+          <a:noFill/>
+        </p:spPr>
+      </p:pic>
+      <p:sp>
+        <p:nvSpPr>
+          <p:cNvPr id="6" name="TextBox 5"/>
+          <p:cNvSpPr txBox="1"/>
+          <p:nvPr/>
+        </p:nvSpPr>
+        <p:spPr>
+          <a:xfrm>
+            <a:off x="607689" y="5638800"/>
+            <a:ext cx="8536311" cy="830997"/>
+          </a:xfrm>
+          <a:prstGeom prst="rect">
+            <a:avLst/>
+          </a:prstGeom>
+          <a:noFill/>
+        </p:spPr>
+        <p:txBody>
+          <a:bodyPr wrap="none" rtlCol="0">
+            <a:spAutoFit/>
+          </a:bodyPr>
+          <a:lstStyle/>
+          <a:p>
+            <a:r>
+              <a:rPr lang="ka-GE" sz="2400" dirty="0" smtClean="0">
+                <a:solidFill>
+                  <a:schemeClr val="bg1"/>
+                </a:solidFill>
+              </a:rPr>
+              <a:t>ბოდიში, თქვენზე მითხრეს ლიფტში გაიჭედაო, მართალია?</a:t>
+            </a:r>
+          </a:p>
+          <a:p>
+            <a:endParaRPr lang="en-US" sz="2400" dirty="0">
+              <a:solidFill>
+                <a:schemeClr val="bg1"/>
+              </a:solidFill>
+            </a:endParaRPr>
+          </a:p>
+        </p:txBody>
+      </p:sp>
+    </p:spTree>
+  </p:cSld>
+  <p:clrMapOvr>
+    <a:masterClrMapping/>
+  </p:clrMapOvr>
+  <p:transition>
+    <p:wipe dir="d"/>
+  </p:transition>
+  <p:timing>
+    <p:tnLst>
+      <p:par>
+        <p:cTn id="1" dur="indefinite" restart="never" nodeType="tmRoot"/>
+      </p:par>
+    </p:tnLst>
+  </p:timing>
+</p:sld>
+</file>
+
+<file path=ppt/slides/slide8.xml><?xml version="1.0" encoding="utf-8"?>
+<p:sld xmlns:a="http://schemas.openxmlformats.org/drawingml/2006/main" xmlns:r="http://schemas.openxmlformats.org/officeDocument/2006/relationships" xmlns:p="http://schemas.openxmlformats.org/presentationml/2006/main">
+  <p:cSld>
+    <p:spTree>
+      <p:nvGrpSpPr>
+        <p:cNvPr id="1" name=""/>
+        <p:cNvGrpSpPr/>
+        <p:nvPr/>
+      </p:nvGrpSpPr>
+      <p:grpSpPr>
+        <a:xfrm>
+          <a:off x="0" y="0"/>
+          <a:ext cx="0" cy="0"/>
+          <a:chOff x="0" y="0"/>
+          <a:chExt cx="0" cy="0"/>
+        </a:xfrm>
+      </p:grpSpPr>
+      <p:sp>
+        <p:nvSpPr>
+          <p:cNvPr id="2" name="Title 1"/>
+          <p:cNvSpPr>
+            <a:spLocks noGrp="1"/>
+          </p:cNvSpPr>
+          <p:nvPr>
+            <p:ph type="title"/>
+          </p:nvPr>
+        </p:nvSpPr>
+        <p:spPr/>
+        <p:txBody>
+          <a:bodyPr/>
+          <a:lstStyle/>
+          <a:p>
+            <a:r>
+              <a:rPr lang="ka-GE" dirty="0" smtClean="0"/>
+              <a:t>მოძღვრება</a:t>
+            </a:r>
+            <a:endParaRPr lang="en-US" dirty="0"/>
+          </a:p>
+        </p:txBody>
+      </p:sp>
+      <p:sp>
+        <p:nvSpPr>
+          <p:cNvPr id="3" name="Content Placeholder 2"/>
+          <p:cNvSpPr>
+            <a:spLocks noGrp="1"/>
+          </p:cNvSpPr>
+          <p:nvPr>
+            <p:ph idx="1"/>
+          </p:nvPr>
+        </p:nvSpPr>
+        <p:spPr/>
+        <p:txBody>
+          <a:bodyPr/>
+          <a:lstStyle/>
+          <a:p>
+            <a:r>
+              <a:rPr lang="en-US" b="1" dirty="0" smtClean="0"/>
+              <a:t>Reactive programming is programming with asynchronous data streams.</a:t>
+            </a:r>
+          </a:p>
+          <a:p>
+            <a:endParaRPr lang="en-US" dirty="0"/>
+          </a:p>
+        </p:txBody>
+      </p:sp>
+    </p:spTree>
+  </p:cSld>
+  <p:clrMapOvr>
+    <a:masterClrMapping/>
+  </p:clrMapOvr>
+  <p:transition>
+    <p:wipe dir="d"/>
+  </p:transition>
+  <p:timing>
+    <p:tnLst>
+      <p:par>
+        <p:cTn id="1" dur="indefinite" restart="never" nodeType="tmRoot"/>
+      </p:par>
+    </p:tnLst>
+  </p:timing>
+</p:sld>
+</file>
+
+<file path=ppt/slides/slide9.xml><?xml version="1.0" encoding="utf-8"?>
 <p:sld xmlns:a="http://schemas.openxmlformats.org/drawingml/2006/main" xmlns:r="http://schemas.openxmlformats.org/officeDocument/2006/relationships" xmlns:p="http://schemas.openxmlformats.org/presentationml/2006/main">
   <p:cSld>
     <p:spTree>
@@ -3447,6 +4850,9 @@
   <p:clrMapOvr>
     <a:masterClrMapping/>
   </p:clrMapOvr>
+  <p:transition>
+    <p:wipe dir="d"/>
+  </p:transition>
   <p:timing>
     <p:tnLst>
       <p:par>
@@ -3454,270 +4860,6 @@
       </p:par>
     </p:tnLst>
   </p:timing>
-</p:sld>
-</file>
-
-<file path=ppt/slides/slide6.xml><?xml version="1.0" encoding="utf-8"?>
-<p:sld xmlns:a="http://schemas.openxmlformats.org/drawingml/2006/main" xmlns:r="http://schemas.openxmlformats.org/officeDocument/2006/relationships" xmlns:p="http://schemas.openxmlformats.org/presentationml/2006/main">
-  <p:cSld>
-    <p:spTree>
-      <p:nvGrpSpPr>
-        <p:cNvPr id="1" name=""/>
-        <p:cNvGrpSpPr/>
-        <p:nvPr/>
-      </p:nvGrpSpPr>
-      <p:grpSpPr>
-        <a:xfrm>
-          <a:off x="0" y="0"/>
-          <a:ext cx="0" cy="0"/>
-          <a:chOff x="0" y="0"/>
-          <a:chExt cx="0" cy="0"/>
-        </a:xfrm>
-      </p:grpSpPr>
-      <p:sp>
-        <p:nvSpPr>
-          <p:cNvPr id="2" name="Title 1"/>
-          <p:cNvSpPr>
-            <a:spLocks noGrp="1"/>
-          </p:cNvSpPr>
-          <p:nvPr>
-            <p:ph type="title"/>
-          </p:nvPr>
-        </p:nvSpPr>
-        <p:spPr/>
-        <p:txBody>
-          <a:bodyPr>
-            <a:normAutofit fontScale="90000"/>
-          </a:bodyPr>
-          <a:lstStyle/>
-          <a:p>
-            <a:r>
-              <a:rPr lang="ka-GE" smtClean="0"/>
-              <a:t>რა კავშირი აქვს ფუნქციონალურ პროგრამირებასთან?</a:t>
-            </a:r>
-            <a:endParaRPr lang="en-US" dirty="0"/>
-          </a:p>
-        </p:txBody>
-      </p:sp>
-      <p:sp>
-        <p:nvSpPr>
-          <p:cNvPr id="3" name="Content Placeholder 2"/>
-          <p:cNvSpPr>
-            <a:spLocks noGrp="1"/>
-          </p:cNvSpPr>
-          <p:nvPr>
-            <p:ph idx="1"/>
-          </p:nvPr>
-        </p:nvSpPr>
-        <p:spPr/>
-        <p:txBody>
-          <a:bodyPr/>
-          <a:lstStyle/>
-          <a:p>
-            <a:endParaRPr lang="en-US" dirty="0"/>
-          </a:p>
-        </p:txBody>
-      </p:sp>
-    </p:spTree>
-  </p:cSld>
-  <p:clrMapOvr>
-    <a:masterClrMapping/>
-  </p:clrMapOvr>
-  <p:timing>
-    <p:tnLst>
-      <p:par>
-        <p:cTn id="1" dur="indefinite" restart="never" nodeType="tmRoot"/>
-      </p:par>
-    </p:tnLst>
-  </p:timing>
-</p:sld>
-</file>
-
-<file path=ppt/slides/slide7.xml><?xml version="1.0" encoding="utf-8"?>
-<p:sld xmlns:a="http://schemas.openxmlformats.org/drawingml/2006/main" xmlns:r="http://schemas.openxmlformats.org/officeDocument/2006/relationships" xmlns:p="http://schemas.openxmlformats.org/presentationml/2006/main">
-  <p:cSld>
-    <p:spTree>
-      <p:nvGrpSpPr>
-        <p:cNvPr id="1" name=""/>
-        <p:cNvGrpSpPr/>
-        <p:nvPr/>
-      </p:nvGrpSpPr>
-      <p:grpSpPr>
-        <a:xfrm>
-          <a:off x="0" y="0"/>
-          <a:ext cx="0" cy="0"/>
-          <a:chOff x="0" y="0"/>
-          <a:chExt cx="0" cy="0"/>
-        </a:xfrm>
-      </p:grpSpPr>
-      <p:sp>
-        <p:nvSpPr>
-          <p:cNvPr id="2" name="Title 1"/>
-          <p:cNvSpPr>
-            <a:spLocks noGrp="1"/>
-          </p:cNvSpPr>
-          <p:nvPr>
-            <p:ph type="title"/>
-          </p:nvPr>
-        </p:nvSpPr>
-        <p:spPr/>
-        <p:txBody>
-          <a:bodyPr>
-            <a:normAutofit fontScale="90000"/>
-          </a:bodyPr>
-          <a:lstStyle/>
-          <a:p>
-            <a:r>
-              <a:rPr lang="ka-GE" dirty="0" smtClean="0"/>
-              <a:t>რა გვაქვს უკვე და არ გვჭირდება ლაპარაკი</a:t>
-            </a:r>
-            <a:endParaRPr lang="en-US" dirty="0"/>
-          </a:p>
-        </p:txBody>
-      </p:sp>
-      <p:sp>
-        <p:nvSpPr>
-          <p:cNvPr id="3" name="Content Placeholder 2"/>
-          <p:cNvSpPr>
-            <a:spLocks noGrp="1"/>
-          </p:cNvSpPr>
-          <p:nvPr>
-            <p:ph idx="1"/>
-          </p:nvPr>
-        </p:nvSpPr>
-        <p:spPr/>
-        <p:txBody>
-          <a:bodyPr/>
-          <a:lstStyle/>
-          <a:p>
-            <a:r>
-              <a:rPr lang="ka-GE" dirty="0" smtClean="0"/>
-              <a:t>საკაიფო ვიზუალიზაციები </a:t>
-            </a:r>
-            <a:r>
-              <a:rPr lang="en-US" dirty="0" smtClean="0">
-                <a:hlinkClick r:id="rId2"/>
-              </a:rPr>
-              <a:t>http://rxmarbles.com</a:t>
-            </a:r>
-            <a:endParaRPr lang="ka-GE" dirty="0" smtClean="0"/>
-          </a:p>
-          <a:p>
-            <a:r>
-              <a:rPr lang="ka-GE" dirty="0" smtClean="0"/>
-              <a:t>საკაიფო ინტერაქტიული ვიზუალიზაციები </a:t>
-            </a:r>
-            <a:br>
-              <a:rPr lang="ka-GE" dirty="0" smtClean="0"/>
-            </a:br>
-            <a:r>
-              <a:rPr lang="en-US" dirty="0" smtClean="0">
-                <a:hlinkClick r:id="rId3"/>
-              </a:rPr>
-              <a:t>https://rxviz.com</a:t>
-            </a:r>
-            <a:endParaRPr lang="ka-GE" dirty="0" smtClean="0"/>
-          </a:p>
-          <a:p>
-            <a:r>
-              <a:rPr lang="ka-GE" dirty="0" smtClean="0"/>
-              <a:t>ვრცელი და მოსაწყენი დოკუმენტაციები </a:t>
-            </a:r>
-            <a:r>
-              <a:rPr lang="en-US" dirty="0" smtClean="0"/>
-              <a:t>http://rxwiki.wikidot.com/ </a:t>
-            </a:r>
-            <a:r>
-              <a:rPr lang="ka-GE" dirty="0" smtClean="0"/>
-              <a:t>და </a:t>
-            </a:r>
-            <a:r>
-              <a:rPr lang="en-US" dirty="0" smtClean="0"/>
-              <a:t>http://reactivex.io</a:t>
-            </a:r>
-            <a:endParaRPr lang="en-US" dirty="0"/>
-          </a:p>
-        </p:txBody>
-      </p:sp>
-    </p:spTree>
-  </p:cSld>
-  <p:clrMapOvr>
-    <a:masterClrMapping/>
-  </p:clrMapOvr>
-  <p:timing>
-    <p:tnLst>
-      <p:par>
-        <p:cTn id="1" dur="indefinite" restart="never" nodeType="tmRoot"/>
-      </p:par>
-    </p:tnLst>
-  </p:timing>
-</p:sld>
-</file>
-
-<file path=ppt/slides/slide8.xml><?xml version="1.0" encoding="utf-8"?>
-<p:sld xmlns:a="http://schemas.openxmlformats.org/drawingml/2006/main" xmlns:r="http://schemas.openxmlformats.org/officeDocument/2006/relationships" xmlns:p="http://schemas.openxmlformats.org/presentationml/2006/main">
-  <p:cSld>
-    <p:spTree>
-      <p:nvGrpSpPr>
-        <p:cNvPr id="1" name=""/>
-        <p:cNvGrpSpPr/>
-        <p:nvPr/>
-      </p:nvGrpSpPr>
-      <p:grpSpPr>
-        <a:xfrm>
-          <a:off x="0" y="0"/>
-          <a:ext cx="0" cy="0"/>
-          <a:chOff x="0" y="0"/>
-          <a:chExt cx="0" cy="0"/>
-        </a:xfrm>
-      </p:grpSpPr>
-      <p:sp>
-        <p:nvSpPr>
-          <p:cNvPr id="2" name="Title 1"/>
-          <p:cNvSpPr>
-            <a:spLocks noGrp="1"/>
-          </p:cNvSpPr>
-          <p:nvPr>
-            <p:ph type="title"/>
-          </p:nvPr>
-        </p:nvSpPr>
-        <p:spPr/>
-        <p:txBody>
-          <a:bodyPr/>
-          <a:lstStyle/>
-          <a:p>
-            <a:r>
-              <a:rPr lang="ka-GE" dirty="0" smtClean="0"/>
-              <a:t>ცოტა თეორია</a:t>
-            </a:r>
-            <a:endParaRPr lang="en-US" dirty="0"/>
-          </a:p>
-        </p:txBody>
-      </p:sp>
-      <p:sp>
-        <p:nvSpPr>
-          <p:cNvPr id="3" name="Content Placeholder 2"/>
-          <p:cNvSpPr>
-            <a:spLocks noGrp="1"/>
-          </p:cNvSpPr>
-          <p:nvPr>
-            <p:ph idx="1"/>
-          </p:nvPr>
-        </p:nvSpPr>
-        <p:spPr/>
-        <p:txBody>
-          <a:bodyPr/>
-          <a:lstStyle/>
-          <a:p>
-            <a:endParaRPr lang="en-US" dirty="0"/>
-          </a:p>
-        </p:txBody>
-      </p:sp>
-    </p:spTree>
-  </p:cSld>
-  <p:clrMapOvr>
-    <a:masterClrMapping/>
-  </p:clrMapOvr>
 </p:sld>
 </file>
 

--- a/Rx.pptx
+++ b/Rx.pptx
@@ -13,14 +13,17 @@
     <p:sldId id="273" r:id="rId7"/>
     <p:sldId id="275" r:id="rId8"/>
     <p:sldId id="264" r:id="rId9"/>
-    <p:sldId id="265" r:id="rId10"/>
-    <p:sldId id="276" r:id="rId11"/>
-    <p:sldId id="263" r:id="rId12"/>
-    <p:sldId id="268" r:id="rId13"/>
-    <p:sldId id="261" r:id="rId14"/>
-    <p:sldId id="262" r:id="rId15"/>
-    <p:sldId id="266" r:id="rId16"/>
-    <p:sldId id="267" r:id="rId17"/>
+    <p:sldId id="284" r:id="rId10"/>
+    <p:sldId id="281" r:id="rId11"/>
+    <p:sldId id="282" r:id="rId12"/>
+    <p:sldId id="283" r:id="rId13"/>
+    <p:sldId id="276" r:id="rId14"/>
+    <p:sldId id="277" r:id="rId15"/>
+    <p:sldId id="278" r:id="rId16"/>
+    <p:sldId id="261" r:id="rId17"/>
+    <p:sldId id="267" r:id="rId18"/>
+    <p:sldId id="279" r:id="rId19"/>
+    <p:sldId id="280" r:id="rId20"/>
   </p:sldIdLst>
   <p:sldSz cx="9144000" cy="6858000" type="screen4x3"/>
   <p:notesSz cx="6858000" cy="9144000"/>
@@ -3204,7 +3207,7 @@
           <a:p>
             <a:r>
               <a:rPr lang="ka-GE" dirty="0" smtClean="0"/>
-              <a:t>დავხატოთ დაფაზე</a:t>
+              <a:t>მოძღვრება</a:t>
             </a:r>
             <a:endParaRPr lang="en-US" dirty="0"/>
           </a:p>
@@ -3226,22 +3229,30 @@
           <a:lstStyle/>
           <a:p>
             <a:r>
+              <a:rPr lang="en-US" b="1" dirty="0" smtClean="0"/>
+              <a:t>Reactive programming is programming with asynchronous data streams.</a:t>
+            </a:r>
+          </a:p>
+          <a:p>
+            <a:r>
               <a:rPr lang="ka-GE" dirty="0" smtClean="0"/>
-              <a:t>რა ტიპის ოპერაციებისთვის არის</a:t>
-            </a:r>
-          </a:p>
-          <a:p>
-            <a:r>
-              <a:rPr lang="en-US" dirty="0" smtClean="0"/>
-              <a:t>Map/Select</a:t>
-            </a:r>
-          </a:p>
-          <a:p>
-            <a:r>
-              <a:rPr lang="en-US" smtClean="0"/>
-              <a:t>Reduce/Aggregate</a:t>
-            </a:r>
-            <a:endParaRPr lang="en-US" dirty="0"/>
+              <a:t>პრინციპში ყველაფერი შეგვიძლია ვაქციოთ ივენთად</a:t>
+            </a:r>
+          </a:p>
+          <a:p>
+            <a:r>
+              <a:rPr lang="ka-GE" dirty="0" smtClean="0"/>
+              <a:t>ივენთი/ივენთები კი სტრიმად</a:t>
+            </a:r>
+          </a:p>
+          <a:p>
+            <a:r>
+              <a:rPr lang="ka-GE" dirty="0" smtClean="0"/>
+              <a:t>(ამისი მაგალითი უნდა მქონდეს)</a:t>
+            </a:r>
+          </a:p>
+          <a:p>
+            <a:endParaRPr lang="ka-GE" dirty="0" smtClean="0"/>
           </a:p>
         </p:txBody>
       </p:sp>
@@ -3253,6 +3264,13 @@
   <p:transition>
     <p:wipe dir="d"/>
   </p:transition>
+  <p:timing>
+    <p:tnLst>
+      <p:par>
+        <p:cTn id="1" dur="indefinite" restart="never" nodeType="tmRoot"/>
+      </p:par>
+    </p:tnLst>
+  </p:timing>
 </p:sld>
 </file>
 
@@ -3285,14 +3303,12 @@
         </p:nvSpPr>
         <p:spPr/>
         <p:txBody>
-          <a:bodyPr>
-            <a:normAutofit fontScale="90000"/>
-          </a:bodyPr>
-          <a:lstStyle/>
-          <a:p>
-            <a:r>
-              <a:rPr lang="ka-GE" smtClean="0"/>
-              <a:t>რა კავშირი აქვს ფუნქციონალურ პროგრამირებასთან?</a:t>
+          <a:bodyPr/>
+          <a:lstStyle/>
+          <a:p>
+            <a:r>
+              <a:rPr lang="ka-GE" dirty="0" smtClean="0"/>
+              <a:t>მოძღვრება</a:t>
             </a:r>
             <a:endParaRPr lang="en-US" dirty="0"/>
           </a:p>
@@ -3313,7 +3329,38 @@
           <a:bodyPr/>
           <a:lstStyle/>
           <a:p>
-            <a:endParaRPr lang="en-US" dirty="0"/>
+            <a:r>
+              <a:rPr lang="en-US" b="1" dirty="0" smtClean="0"/>
+              <a:t>Reactive programming is programming with asynchronous data streams.</a:t>
+            </a:r>
+          </a:p>
+          <a:p>
+            <a:r>
+              <a:rPr lang="ka-GE" dirty="0" smtClean="0"/>
+              <a:t>პრინციპში ყველაფერი შეგვიძლია ვაქციოთ ივენთად</a:t>
+            </a:r>
+          </a:p>
+          <a:p>
+            <a:r>
+              <a:rPr lang="ka-GE" dirty="0" smtClean="0"/>
+              <a:t>ივენთი/ივენთები კი სტრიმად</a:t>
+            </a:r>
+          </a:p>
+          <a:p>
+            <a:r>
+              <a:rPr lang="ka-GE" dirty="0" smtClean="0"/>
+              <a:t>(ამისი მაგალითი უნდა მქონდეს)</a:t>
+            </a:r>
+          </a:p>
+          <a:p>
+            <a:r>
+              <a:rPr lang="ka-GE" dirty="0" smtClean="0"/>
+              <a:t>ხოდა სტრიმად რო ვაქცევთ</a:t>
+            </a:r>
+            <a:endParaRPr lang="en-US" dirty="0" smtClean="0"/>
+          </a:p>
+          <a:p>
+            <a:endParaRPr lang="ka-GE" dirty="0" smtClean="0"/>
           </a:p>
         </p:txBody>
       </p:sp>
@@ -3362,7 +3409,12 @@
             <p:ph type="title"/>
           </p:nvPr>
         </p:nvSpPr>
-        <p:spPr/>
+        <p:spPr>
+          <a:xfrm>
+            <a:off x="457200" y="274638"/>
+            <a:ext cx="8229600" cy="1096962"/>
+          </a:xfrm>
+        </p:spPr>
         <p:txBody>
           <a:bodyPr>
             <a:normAutofit fontScale="90000"/>
@@ -3370,8 +3422,16 @@
           <a:lstStyle/>
           <a:p>
             <a:r>
-              <a:rPr lang="ka-GE" smtClean="0"/>
-              <a:t>რა კავშირი აქვს ფუნქციონალურ პროგრამირებასთან?</a:t>
+              <a:rPr lang="ka-GE" dirty="0" smtClean="0"/>
+              <a:t>აი მანდ გვჭირდება </a:t>
+            </a:r>
+            <a:r>
+              <a:rPr lang="en-US" dirty="0" smtClean="0"/>
+              <a:t>Reactive Extension- </a:t>
+            </a:r>
+            <a:r>
+              <a:rPr lang="ka-GE" dirty="0" smtClean="0"/>
+              <a:t>ები</a:t>
             </a:r>
             <a:endParaRPr lang="en-US" dirty="0"/>
           </a:p>
@@ -3392,28 +3452,36 @@
           <a:bodyPr/>
           <a:lstStyle/>
           <a:p>
-            <a:r>
-              <a:rPr lang="ka-GE" dirty="0" smtClean="0"/>
-              <a:t>სტილი აქვს ფუნქციონალური </a:t>
-            </a:r>
-          </a:p>
-          <a:p>
-            <a:r>
-              <a:rPr lang="ka-GE" sz="1000" dirty="0" smtClean="0"/>
-              <a:t>იმ პონტში რო სინტაქსი </a:t>
-            </a:r>
-            <a:r>
-              <a:rPr lang="en-US" sz="1000" dirty="0" smtClean="0"/>
-              <a:t>Discourages </a:t>
-            </a:r>
-            <a:r>
-              <a:rPr lang="ka-GE" sz="1000" dirty="0" smtClean="0"/>
-              <a:t>სთეითის ცვლილებას </a:t>
-            </a:r>
-            <a:endParaRPr lang="en-US" sz="1000" dirty="0"/>
-          </a:p>
-        </p:txBody>
-      </p:sp>
+            <a:endParaRPr lang="ka-GE" dirty="0" smtClean="0"/>
+          </a:p>
+        </p:txBody>
+      </p:sp>
+      <p:pic>
+        <p:nvPicPr>
+          <p:cNvPr id="36866" name="Picture 2" descr="áá áááá-áá¡ á¡á£á áááá¡ á¨ááááá"/>
+          <p:cNvPicPr>
+            <a:picLocks noChangeAspect="1" noChangeArrowheads="1"/>
+          </p:cNvPicPr>
+          <p:nvPr/>
+        </p:nvPicPr>
+        <p:blipFill>
+          <a:blip r:embed="rId2"/>
+          <a:srcRect/>
+          <a:stretch>
+            <a:fillRect/>
+          </a:stretch>
+        </p:blipFill>
+        <p:spPr bwMode="auto">
+          <a:xfrm>
+            <a:off x="0" y="1600200"/>
+            <a:ext cx="9144000" cy="4876800"/>
+          </a:xfrm>
+          <a:prstGeom prst="rect">
+            <a:avLst/>
+          </a:prstGeom>
+          <a:noFill/>
+        </p:spPr>
+      </p:pic>
     </p:spTree>
   </p:cSld>
   <p:clrMapOvr>
@@ -3461,14 +3529,12 @@
         </p:nvSpPr>
         <p:spPr/>
         <p:txBody>
-          <a:bodyPr>
-            <a:normAutofit fontScale="90000"/>
-          </a:bodyPr>
+          <a:bodyPr/>
           <a:lstStyle/>
           <a:p>
             <a:r>
               <a:rPr lang="ka-GE" dirty="0" smtClean="0"/>
-              <a:t>რა გვაქვს უკვე და არ გვჭირდება ლაპარაკი</a:t>
+              <a:t>დავხატოთ დაფაზე</a:t>
             </a:r>
             <a:endParaRPr lang="en-US" dirty="0"/>
           </a:p>
@@ -3491,48 +3557,53 @@
           <a:p>
             <a:r>
               <a:rPr lang="ka-GE" dirty="0" smtClean="0"/>
-              <a:t>საკაიფო ვიზუალიზაციები </a:t>
-            </a:r>
-            <a:r>
-              <a:rPr lang="en-US" dirty="0" smtClean="0">
-                <a:hlinkClick r:id="rId2"/>
-              </a:rPr>
-              <a:t>http://rxmarbles.com</a:t>
-            </a:r>
-            <a:endParaRPr lang="ka-GE" dirty="0" smtClean="0"/>
-          </a:p>
-          <a:p>
+              <a:t>რა ტიპის ოპერაციებისთვის არის</a:t>
+            </a:r>
+          </a:p>
+          <a:p>
+            <a:r>
+              <a:rPr lang="en-US" dirty="0" smtClean="0"/>
+              <a:t>Map/Select</a:t>
+            </a:r>
+          </a:p>
+          <a:p>
+            <a:r>
+              <a:rPr lang="en-US" dirty="0" smtClean="0"/>
+              <a:t>Reduce</a:t>
+            </a:r>
             <a:r>
               <a:rPr lang="ka-GE" dirty="0" smtClean="0"/>
-              <a:t>საკაიფო ინტერაქტიული ვიზუალიზაციები </a:t>
-            </a:r>
-            <a:br>
+              <a:t>/</a:t>
+            </a:r>
+            <a:r>
+              <a:rPr lang="en-US" dirty="0" smtClean="0"/>
+              <a:t>Aggregate (</a:t>
+            </a:r>
+            <a:r>
+              <a:rPr lang="en-US" dirty="0" err="1" smtClean="0"/>
+              <a:t>Sum,Multiply</a:t>
+            </a:r>
+            <a:r>
+              <a:rPr lang="en-US" dirty="0" smtClean="0"/>
+              <a:t>)</a:t>
+            </a:r>
+          </a:p>
+          <a:p>
+            <a:r>
+              <a:rPr lang="en-US" dirty="0" smtClean="0"/>
+              <a:t>Where Filter</a:t>
+            </a:r>
+          </a:p>
+          <a:p>
+            <a:r>
+              <a:rPr lang="en-US" dirty="0" smtClean="0"/>
+              <a:t>Buffer/Window</a:t>
+            </a:r>
+          </a:p>
+          <a:p>
+            <a:r>
               <a:rPr lang="ka-GE" dirty="0" smtClean="0"/>
-            </a:br>
-            <a:r>
-              <a:rPr lang="en-US" dirty="0" smtClean="0">
-                <a:hlinkClick r:id="rId3"/>
-              </a:rPr>
-              <a:t>https://rxviz.com</a:t>
-            </a:r>
-            <a:endParaRPr lang="ka-GE" dirty="0" smtClean="0"/>
-          </a:p>
-          <a:p>
-            <a:r>
-              <a:rPr lang="ka-GE" dirty="0" smtClean="0"/>
-              <a:t>ვრცელი და მოსაწყენი დოკუმენტაციები </a:t>
-            </a:r>
-            <a:r>
-              <a:rPr lang="en-US" dirty="0" smtClean="0"/>
-              <a:t>http://rxwiki.wikidot.com/ </a:t>
-            </a:r>
-            <a:r>
-              <a:rPr lang="ka-GE" dirty="0" smtClean="0"/>
-              <a:t>და </a:t>
-            </a:r>
-            <a:r>
-              <a:rPr lang="en-US" dirty="0" smtClean="0"/>
-              <a:t>http://reactivex.io</a:t>
+              <a:t>დანარჩენები მოძებნეთ ინტერნეტში</a:t>
             </a:r>
             <a:endParaRPr lang="en-US" dirty="0"/>
           </a:p>
@@ -3585,9 +3656,15 @@
         </p:nvSpPr>
         <p:spPr/>
         <p:txBody>
-          <a:bodyPr/>
-          <a:lstStyle/>
-          <a:p>
+          <a:bodyPr>
+            <a:normAutofit fontScale="90000"/>
+          </a:bodyPr>
+          <a:lstStyle/>
+          <a:p>
+            <a:r>
+              <a:rPr lang="ka-GE" smtClean="0"/>
+              <a:t>რა კავშირი აქვს ფუნქციონალურ პროგრამირებასთან?</a:t>
+            </a:r>
             <a:endParaRPr lang="en-US" dirty="0"/>
           </a:p>
         </p:txBody>
@@ -3658,36 +3735,53 @@
         </p:nvSpPr>
         <p:spPr/>
         <p:txBody>
+          <a:bodyPr>
+            <a:normAutofit fontScale="90000"/>
+          </a:bodyPr>
+          <a:lstStyle/>
+          <a:p>
+            <a:r>
+              <a:rPr lang="ka-GE" smtClean="0"/>
+              <a:t>რა კავშირი აქვს ფუნქციონალურ პროგრამირებასთან?</a:t>
+            </a:r>
+            <a:endParaRPr lang="en-US" dirty="0"/>
+          </a:p>
+        </p:txBody>
+      </p:sp>
+      <p:sp>
+        <p:nvSpPr>
+          <p:cNvPr id="3" name="Content Placeholder 2"/>
+          <p:cNvSpPr>
+            <a:spLocks noGrp="1"/>
+          </p:cNvSpPr>
+          <p:nvPr>
+            <p:ph idx="1"/>
+          </p:nvPr>
+        </p:nvSpPr>
+        <p:spPr/>
+        <p:txBody>
           <a:bodyPr/>
           <a:lstStyle/>
           <a:p>
             <a:r>
               <a:rPr lang="ka-GE" dirty="0" smtClean="0"/>
-              <a:t>და პრაქტიკა</a:t>
-            </a:r>
-            <a:endParaRPr lang="en-US" dirty="0"/>
-          </a:p>
-        </p:txBody>
-      </p:sp>
-      <p:sp>
-        <p:nvSpPr>
-          <p:cNvPr id="3" name="Content Placeholder 2"/>
-          <p:cNvSpPr>
-            <a:spLocks noGrp="1"/>
-          </p:cNvSpPr>
-          <p:nvPr>
-            <p:ph idx="1"/>
-          </p:nvPr>
-        </p:nvSpPr>
-        <p:spPr/>
-        <p:txBody>
-          <a:bodyPr/>
-          <a:lstStyle/>
-          <a:p>
-            <a:endParaRPr lang="ka-GE" dirty="0" smtClean="0"/>
-          </a:p>
-          <a:p>
-            <a:endParaRPr lang="en-US" dirty="0"/>
+              <a:t>სტილი აქვს ფუნქციონალური </a:t>
+            </a:r>
+          </a:p>
+          <a:p>
+            <a:r>
+              <a:rPr lang="ka-GE" sz="1600" dirty="0" smtClean="0"/>
+              <a:t>იმ პონტში რო სინტაქსი </a:t>
+            </a:r>
+            <a:r>
+              <a:rPr lang="en-US" sz="1600" dirty="0" smtClean="0"/>
+              <a:t>Discourages </a:t>
+            </a:r>
+            <a:r>
+              <a:rPr lang="ka-GE" sz="1600" dirty="0" smtClean="0"/>
+              <a:t>სთეითის ცვლილებას </a:t>
+            </a:r>
+            <a:endParaRPr lang="en-US" sz="1600" dirty="0"/>
           </a:p>
         </p:txBody>
       </p:sp>
@@ -3699,6 +3793,13 @@
   <p:transition>
     <p:wipe dir="d"/>
   </p:transition>
+  <p:timing>
+    <p:tnLst>
+      <p:par>
+        <p:cTn id="1" dur="indefinite" restart="never" nodeType="tmRoot"/>
+      </p:par>
+    </p:tnLst>
+  </p:timing>
 </p:sld>
 </file>
 
@@ -3731,12 +3832,14 @@
         </p:nvSpPr>
         <p:spPr/>
         <p:txBody>
-          <a:bodyPr/>
+          <a:bodyPr>
+            <a:normAutofit/>
+          </a:bodyPr>
           <a:lstStyle/>
           <a:p>
             <a:r>
               <a:rPr lang="ka-GE" dirty="0" smtClean="0"/>
-              <a:t>და პრაქტიკა</a:t>
+              <a:t>რა გვაქვს</a:t>
             </a:r>
             <a:endParaRPr lang="en-US" dirty="0"/>
           </a:p>
@@ -3757,9 +3860,51 @@
           <a:bodyPr/>
           <a:lstStyle/>
           <a:p>
+            <a:r>
+              <a:rPr lang="ka-GE" dirty="0" smtClean="0"/>
+              <a:t>საკაიფო ვიზუალიზაციები </a:t>
+            </a:r>
+            <a:r>
+              <a:rPr lang="en-US" dirty="0" smtClean="0">
+                <a:hlinkClick r:id="rId2"/>
+              </a:rPr>
+              <a:t>http://rxmarbles.com</a:t>
+            </a:r>
             <a:endParaRPr lang="ka-GE" dirty="0" smtClean="0"/>
           </a:p>
           <a:p>
+            <a:r>
+              <a:rPr lang="ka-GE" dirty="0" smtClean="0"/>
+              <a:t>საკაიფო ინტერაქტიული ვიზუალიზაციები </a:t>
+            </a:r>
+            <a:br>
+              <a:rPr lang="ka-GE" dirty="0" smtClean="0"/>
+            </a:br>
+            <a:r>
+              <a:rPr lang="en-US" dirty="0" smtClean="0">
+                <a:hlinkClick r:id="rId3"/>
+              </a:rPr>
+              <a:t>https://rxviz.com</a:t>
+            </a:r>
+            <a:endParaRPr lang="ka-GE" dirty="0" smtClean="0"/>
+          </a:p>
+          <a:p>
+            <a:r>
+              <a:rPr lang="ka-GE" dirty="0" smtClean="0"/>
+              <a:t>ვრცელი და მოსაწყენი დოკუმენტაციები </a:t>
+            </a:r>
+            <a:r>
+              <a:rPr lang="en-US" dirty="0" smtClean="0"/>
+              <a:t>http://rxwiki.wikidot.com/ </a:t>
+            </a:r>
+            <a:r>
+              <a:rPr lang="ka-GE" dirty="0" smtClean="0"/>
+              <a:t>და </a:t>
+            </a:r>
+            <a:r>
+              <a:rPr lang="en-US" dirty="0" smtClean="0"/>
+              <a:t>http://reactivex.io</a:t>
+            </a:r>
             <a:endParaRPr lang="en-US" dirty="0"/>
           </a:p>
         </p:txBody>
@@ -3772,6 +3917,293 @@
   <p:transition>
     <p:wipe dir="d"/>
   </p:transition>
+  <p:timing>
+    <p:tnLst>
+      <p:par>
+        <p:cTn id="1" dur="indefinite" restart="never" nodeType="tmRoot"/>
+      </p:par>
+    </p:tnLst>
+  </p:timing>
+</p:sld>
+</file>
+
+<file path=ppt/slides/slide17.xml><?xml version="1.0" encoding="utf-8"?>
+<p:sld xmlns:a="http://schemas.openxmlformats.org/drawingml/2006/main" xmlns:r="http://schemas.openxmlformats.org/officeDocument/2006/relationships" xmlns:p="http://schemas.openxmlformats.org/presentationml/2006/main">
+  <p:cSld>
+    <p:spTree>
+      <p:nvGrpSpPr>
+        <p:cNvPr id="1" name=""/>
+        <p:cNvGrpSpPr/>
+        <p:nvPr/>
+      </p:nvGrpSpPr>
+      <p:grpSpPr>
+        <a:xfrm>
+          <a:off x="0" y="0"/>
+          <a:ext cx="0" cy="0"/>
+          <a:chOff x="0" y="0"/>
+          <a:chExt cx="0" cy="0"/>
+        </a:xfrm>
+      </p:grpSpPr>
+      <p:sp>
+        <p:nvSpPr>
+          <p:cNvPr id="2" name="Title 1"/>
+          <p:cNvSpPr>
+            <a:spLocks noGrp="1"/>
+          </p:cNvSpPr>
+          <p:nvPr>
+            <p:ph type="title"/>
+          </p:nvPr>
+        </p:nvSpPr>
+        <p:spPr/>
+        <p:txBody>
+          <a:bodyPr>
+            <a:normAutofit fontScale="90000"/>
+          </a:bodyPr>
+          <a:lstStyle/>
+          <a:p>
+            <a:r>
+              <a:rPr lang="ka-GE" dirty="0" smtClean="0"/>
+              <a:t>მარტივი პრაქტიკული მაგალითები და სინტაქსი</a:t>
+            </a:r>
+            <a:endParaRPr lang="en-US" dirty="0"/>
+          </a:p>
+        </p:txBody>
+      </p:sp>
+      <p:sp>
+        <p:nvSpPr>
+          <p:cNvPr id="3" name="Content Placeholder 2"/>
+          <p:cNvSpPr>
+            <a:spLocks noGrp="1"/>
+          </p:cNvSpPr>
+          <p:nvPr>
+            <p:ph idx="1"/>
+          </p:nvPr>
+        </p:nvSpPr>
+        <p:spPr/>
+        <p:txBody>
+          <a:bodyPr/>
+          <a:lstStyle/>
+          <a:p>
+            <a:endParaRPr lang="ka-GE" dirty="0" smtClean="0"/>
+          </a:p>
+          <a:p>
+            <a:endParaRPr lang="en-US" dirty="0"/>
+          </a:p>
+        </p:txBody>
+      </p:sp>
+    </p:spTree>
+  </p:cSld>
+  <p:clrMapOvr>
+    <a:masterClrMapping/>
+  </p:clrMapOvr>
+  <p:transition>
+    <p:wipe dir="d"/>
+  </p:transition>
+  <p:timing>
+    <p:tnLst>
+      <p:par>
+        <p:cTn id="1" dur="indefinite" restart="never" nodeType="tmRoot"/>
+      </p:par>
+    </p:tnLst>
+  </p:timing>
+</p:sld>
+</file>
+
+<file path=ppt/slides/slide18.xml><?xml version="1.0" encoding="utf-8"?>
+<p:sld xmlns:a="http://schemas.openxmlformats.org/drawingml/2006/main" xmlns:r="http://schemas.openxmlformats.org/officeDocument/2006/relationships" xmlns:p="http://schemas.openxmlformats.org/presentationml/2006/main">
+  <p:cSld>
+    <p:spTree>
+      <p:nvGrpSpPr>
+        <p:cNvPr id="1" name=""/>
+        <p:cNvGrpSpPr/>
+        <p:nvPr/>
+      </p:nvGrpSpPr>
+      <p:grpSpPr>
+        <a:xfrm>
+          <a:off x="0" y="0"/>
+          <a:ext cx="0" cy="0"/>
+          <a:chOff x="0" y="0"/>
+          <a:chExt cx="0" cy="0"/>
+        </a:xfrm>
+      </p:grpSpPr>
+      <p:sp>
+        <p:nvSpPr>
+          <p:cNvPr id="2" name="Title 1"/>
+          <p:cNvSpPr>
+            <a:spLocks noGrp="1"/>
+          </p:cNvSpPr>
+          <p:nvPr>
+            <p:ph type="title"/>
+          </p:nvPr>
+        </p:nvSpPr>
+        <p:spPr/>
+        <p:txBody>
+          <a:bodyPr/>
+          <a:lstStyle/>
+          <a:p>
+            <a:endParaRPr lang="en-US"/>
+          </a:p>
+        </p:txBody>
+      </p:sp>
+      <p:sp>
+        <p:nvSpPr>
+          <p:cNvPr id="3" name="Content Placeholder 2"/>
+          <p:cNvSpPr>
+            <a:spLocks noGrp="1"/>
+          </p:cNvSpPr>
+          <p:nvPr>
+            <p:ph idx="1"/>
+          </p:nvPr>
+        </p:nvSpPr>
+        <p:spPr/>
+        <p:txBody>
+          <a:bodyPr/>
+          <a:lstStyle/>
+          <a:p>
+            <a:endParaRPr lang="en-US"/>
+          </a:p>
+        </p:txBody>
+      </p:sp>
+      <p:pic>
+        <p:nvPicPr>
+          <p:cNvPr id="30722" name="Picture 2" descr="áááááá¨áá ááá£áá á¡á£á ááá"/>
+          <p:cNvPicPr>
+            <a:picLocks noChangeAspect="1" noChangeArrowheads="1"/>
+          </p:cNvPicPr>
+          <p:nvPr/>
+        </p:nvPicPr>
+        <p:blipFill>
+          <a:blip r:embed="rId2"/>
+          <a:srcRect/>
+          <a:stretch>
+            <a:fillRect/>
+          </a:stretch>
+        </p:blipFill>
+        <p:spPr bwMode="auto">
+          <a:xfrm>
+            <a:off x="-1600200" y="0"/>
+            <a:ext cx="12329962" cy="6858000"/>
+          </a:xfrm>
+          <a:prstGeom prst="rect">
+            <a:avLst/>
+          </a:prstGeom>
+          <a:noFill/>
+        </p:spPr>
+      </p:pic>
+    </p:spTree>
+  </p:cSld>
+  <p:clrMapOvr>
+    <a:masterClrMapping/>
+  </p:clrMapOvr>
+  <p:transition>
+    <p:wipe dir="d"/>
+  </p:transition>
+  <p:timing>
+    <p:tnLst>
+      <p:par>
+        <p:cTn id="1" dur="indefinite" restart="never" nodeType="tmRoot"/>
+      </p:par>
+    </p:tnLst>
+  </p:timing>
+</p:sld>
+</file>
+
+<file path=ppt/slides/slide19.xml><?xml version="1.0" encoding="utf-8"?>
+<p:sld xmlns:a="http://schemas.openxmlformats.org/drawingml/2006/main" xmlns:r="http://schemas.openxmlformats.org/officeDocument/2006/relationships" xmlns:p="http://schemas.openxmlformats.org/presentationml/2006/main">
+  <p:cSld>
+    <p:spTree>
+      <p:nvGrpSpPr>
+        <p:cNvPr id="1" name=""/>
+        <p:cNvGrpSpPr/>
+        <p:nvPr/>
+      </p:nvGrpSpPr>
+      <p:grpSpPr>
+        <a:xfrm>
+          <a:off x="0" y="0"/>
+          <a:ext cx="0" cy="0"/>
+          <a:chOff x="0" y="0"/>
+          <a:chExt cx="0" cy="0"/>
+        </a:xfrm>
+      </p:grpSpPr>
+      <p:sp>
+        <p:nvSpPr>
+          <p:cNvPr id="2" name="Title 1"/>
+          <p:cNvSpPr>
+            <a:spLocks noGrp="1"/>
+          </p:cNvSpPr>
+          <p:nvPr>
+            <p:ph type="title"/>
+          </p:nvPr>
+        </p:nvSpPr>
+        <p:spPr/>
+        <p:txBody>
+          <a:bodyPr/>
+          <a:lstStyle/>
+          <a:p>
+            <a:endParaRPr lang="en-US"/>
+          </a:p>
+        </p:txBody>
+      </p:sp>
+      <p:sp>
+        <p:nvSpPr>
+          <p:cNvPr id="3" name="Content Placeholder 2"/>
+          <p:cNvSpPr>
+            <a:spLocks noGrp="1"/>
+          </p:cNvSpPr>
+          <p:nvPr>
+            <p:ph idx="1"/>
+          </p:nvPr>
+        </p:nvSpPr>
+        <p:spPr/>
+        <p:txBody>
+          <a:bodyPr/>
+          <a:lstStyle/>
+          <a:p>
+            <a:endParaRPr lang="en-US"/>
+          </a:p>
+        </p:txBody>
+      </p:sp>
+      <p:pic>
+        <p:nvPicPr>
+          <p:cNvPr id="35842" name="Picture 2" descr="the end disney-áá¡ á¡á£á áááá¡ á¨ááááá"/>
+          <p:cNvPicPr>
+            <a:picLocks noChangeAspect="1" noChangeArrowheads="1"/>
+          </p:cNvPicPr>
+          <p:nvPr/>
+        </p:nvPicPr>
+        <p:blipFill>
+          <a:blip r:embed="rId2"/>
+          <a:srcRect/>
+          <a:stretch>
+            <a:fillRect/>
+          </a:stretch>
+        </p:blipFill>
+        <p:spPr bwMode="auto">
+          <a:xfrm>
+            <a:off x="0" y="-1"/>
+            <a:ext cx="12192000" cy="6858001"/>
+          </a:xfrm>
+          <a:prstGeom prst="rect">
+            <a:avLst/>
+          </a:prstGeom>
+          <a:noFill/>
+        </p:spPr>
+      </p:pic>
+    </p:spTree>
+  </p:cSld>
+  <p:clrMapOvr>
+    <a:masterClrMapping/>
+  </p:clrMapOvr>
+  <p:transition>
+    <p:wipe dir="d"/>
+  </p:transition>
+  <p:timing>
+    <p:tnLst>
+      <p:par>
+        <p:cTn id="1" dur="indefinite" restart="never" nodeType="tmRoot"/>
+      </p:par>
+    </p:tnLst>
+  </p:timing>
 </p:sld>
 </file>
 
@@ -4796,7 +5228,11 @@
           <a:bodyPr/>
           <a:lstStyle/>
           <a:p>
-            <a:endParaRPr lang="en-US"/>
+            <a:r>
+              <a:rPr lang="ka-GE" dirty="0" smtClean="0"/>
+              <a:t>მოძღვრება</a:t>
+            </a:r>
+            <a:endParaRPr lang="en-US" dirty="0"/>
           </a:p>
         </p:txBody>
       </p:sp>
@@ -4815,13 +5251,13 @@
           <a:bodyPr/>
           <a:lstStyle/>
           <a:p>
-            <a:endParaRPr lang="en-US"/>
+            <a:endParaRPr lang="en-US" dirty="0"/>
           </a:p>
         </p:txBody>
       </p:sp>
       <p:pic>
         <p:nvPicPr>
-          <p:cNvPr id="7170" name="Picture 2" descr="https://camo.githubusercontent.com/e581baffb3db3e4f749350326af32de8d5ba4363/687474703a2f2f692e696d6775722e636f6d2f4149696d5138432e6a7067"/>
+          <p:cNvPr id="4" name="Picture 2" descr="https://camo.githubusercontent.com/e581baffb3db3e4f749350326af32de8d5ba4363/687474703a2f2f692e696d6775722e636f6d2f4149696d5138432e6a7067"/>
           <p:cNvPicPr>
             <a:picLocks noChangeAspect="1" noChangeArrowheads="1"/>
           </p:cNvPicPr>
@@ -4836,8 +5272,8 @@
         </p:blipFill>
         <p:spPr bwMode="auto">
           <a:xfrm>
-            <a:off x="2438400" y="1219200"/>
-            <a:ext cx="4019550" cy="3714751"/>
+            <a:off x="1371600" y="1365098"/>
+            <a:ext cx="5943600" cy="5492902"/>
           </a:xfrm>
           <a:prstGeom prst="rect">
             <a:avLst/>
